--- a/Presentation 4/Presentation.pptx
+++ b/Presentation 4/Presentation.pptx
@@ -5,13 +5,18 @@
     <p:sldMasterId id="2147483672" r:id="rId1"/>
   </p:sldMasterIdLst>
   <p:notesMasterIdLst>
-    <p:notesMasterId r:id="rId3"/>
+    <p:notesMasterId r:id="rId8"/>
   </p:notesMasterIdLst>
   <p:handoutMasterIdLst>
-    <p:handoutMasterId r:id="rId4"/>
+    <p:handoutMasterId r:id="rId9"/>
   </p:handoutMasterIdLst>
   <p:sldIdLst>
     <p:sldId id="282" r:id="rId2"/>
+    <p:sldId id="286" r:id="rId3"/>
+    <p:sldId id="285" r:id="rId4"/>
+    <p:sldId id="287" r:id="rId5"/>
+    <p:sldId id="284" r:id="rId6"/>
+    <p:sldId id="283" r:id="rId7"/>
   </p:sldIdLst>
   <p:sldSz cx="12192000" cy="6858000"/>
   <p:notesSz cx="6858000" cy="9144000"/>
@@ -218,7 +223,7 @@
           <a:p>
             <a:fld id="{5627325D-7C6B-4659-A656-A772019985A7}" type="datetimeFigureOut">
               <a:rPr lang="en-US" smtClean="0"/>
-              <a:t>11/11/2017</a:t>
+              <a:t>11/12/2017</a:t>
             </a:fld>
             <a:endParaRPr lang="en-US" dirty="0"/>
           </a:p>
@@ -383,7 +388,7 @@
           <a:p>
             <a:fld id="{D75FD80F-0FDC-4A05-9EF1-C028EC4EDC0A}" type="datetimeFigureOut">
               <a:rPr lang="en-US" smtClean="0"/>
-              <a:t>11/11/2017</a:t>
+              <a:t>11/12/2017</a:t>
             </a:fld>
             <a:endParaRPr lang="en-US" dirty="0"/>
           </a:p>
@@ -941,7 +946,7 @@
             <a:fld id="{349BF3EA-1A78-4F07-BDC0-C8A1BD461199}" type="datetimeFigureOut">
               <a:rPr lang="en-US" smtClean="0"/>
               <a:pPr/>
-              <a:t>11/11/2017</a:t>
+              <a:t>11/12/2017</a:t>
             </a:fld>
             <a:endParaRPr lang="en-US" dirty="0"/>
           </a:p>
@@ -1145,7 +1150,7 @@
           <a:p>
             <a:fld id="{349BF3EA-1A78-4F07-BDC0-C8A1BD461199}" type="datetimeFigureOut">
               <a:rPr lang="en-US" smtClean="0"/>
-              <a:t>11/11/2017</a:t>
+              <a:t>11/12/2017</a:t>
             </a:fld>
             <a:endParaRPr lang="en-US" dirty="0"/>
           </a:p>
@@ -1432,7 +1437,7 @@
           <a:p>
             <a:fld id="{349BF3EA-1A78-4F07-BDC0-C8A1BD461199}" type="datetimeFigureOut">
               <a:rPr lang="en-US" smtClean="0"/>
-              <a:t>11/11/2017</a:t>
+              <a:t>11/12/2017</a:t>
             </a:fld>
             <a:endParaRPr lang="en-US" dirty="0"/>
           </a:p>
@@ -1632,7 +1637,7 @@
           <a:p>
             <a:fld id="{349BF3EA-1A78-4F07-BDC0-C8A1BD461199}" type="datetimeFigureOut">
               <a:rPr lang="en-US" smtClean="0"/>
-              <a:t>11/11/2017</a:t>
+              <a:t>11/12/2017</a:t>
             </a:fld>
             <a:endParaRPr lang="en-US" dirty="0"/>
           </a:p>
@@ -1996,7 +2001,7 @@
           <a:p>
             <a:fld id="{349BF3EA-1A78-4F07-BDC0-C8A1BD461199}" type="datetimeFigureOut">
               <a:rPr lang="en-US" smtClean="0"/>
-              <a:t>11/11/2017</a:t>
+              <a:t>11/12/2017</a:t>
             </a:fld>
             <a:endParaRPr lang="en-US" dirty="0"/>
           </a:p>
@@ -2318,7 +2323,7 @@
           <a:p>
             <a:fld id="{349BF3EA-1A78-4F07-BDC0-C8A1BD461199}" type="datetimeFigureOut">
               <a:rPr lang="en-US" smtClean="0"/>
-              <a:t>11/11/2017</a:t>
+              <a:t>11/12/2017</a:t>
             </a:fld>
             <a:endParaRPr lang="en-US" dirty="0"/>
           </a:p>
@@ -2762,7 +2767,7 @@
           <a:p>
             <a:fld id="{349BF3EA-1A78-4F07-BDC0-C8A1BD461199}" type="datetimeFigureOut">
               <a:rPr lang="en-US" smtClean="0"/>
-              <a:t>11/11/2017</a:t>
+              <a:t>11/12/2017</a:t>
             </a:fld>
             <a:endParaRPr lang="en-US" dirty="0"/>
           </a:p>
@@ -2894,7 +2899,7 @@
           <a:p>
             <a:fld id="{349BF3EA-1A78-4F07-BDC0-C8A1BD461199}" type="datetimeFigureOut">
               <a:rPr lang="en-US" smtClean="0"/>
-              <a:t>11/11/2017</a:t>
+              <a:t>11/12/2017</a:t>
             </a:fld>
             <a:endParaRPr lang="en-US" dirty="0"/>
           </a:p>
@@ -3050,7 +3055,7 @@
           <a:p>
             <a:fld id="{349BF3EA-1A78-4F07-BDC0-C8A1BD461199}" type="datetimeFigureOut">
               <a:rPr lang="en-US" smtClean="0"/>
-              <a:t>11/11/2017</a:t>
+              <a:t>11/12/2017</a:t>
             </a:fld>
             <a:endParaRPr lang="en-US" dirty="0"/>
           </a:p>
@@ -3487,7 +3492,7 @@
           <a:p>
             <a:fld id="{349BF3EA-1A78-4F07-BDC0-C8A1BD461199}" type="datetimeFigureOut">
               <a:rPr lang="en-US" smtClean="0"/>
-              <a:t>11/11/2017</a:t>
+              <a:t>11/12/2017</a:t>
             </a:fld>
             <a:endParaRPr lang="en-US" dirty="0"/>
           </a:p>
@@ -3894,7 +3899,7 @@
             <a:fld id="{349BF3EA-1A78-4F07-BDC0-C8A1BD461199}" type="datetimeFigureOut">
               <a:rPr lang="en-US" smtClean="0"/>
               <a:pPr/>
-              <a:t>11/11/2017</a:t>
+              <a:t>11/12/2017</a:t>
             </a:fld>
             <a:endParaRPr lang="en-US" dirty="0"/>
           </a:p>
@@ -4238,7 +4243,7 @@
             <a:fld id="{349BF3EA-1A78-4F07-BDC0-C8A1BD461199}" type="datetimeFigureOut">
               <a:rPr lang="en-US" smtClean="0"/>
               <a:pPr/>
-              <a:t>11/11/2017</a:t>
+              <a:t>11/12/2017</a:t>
             </a:fld>
             <a:endParaRPr lang="en-US" dirty="0"/>
           </a:p>
@@ -4791,6 +4796,530 @@
     <p:extLst>
       <p:ext uri="{BB962C8B-B14F-4D97-AF65-F5344CB8AC3E}">
         <p14:creationId xmlns:p14="http://schemas.microsoft.com/office/powerpoint/2010/main" val="1727290713"/>
+      </p:ext>
+    </p:extLst>
+  </p:cSld>
+  <p:clrMapOvr>
+    <a:masterClrMapping/>
+  </p:clrMapOvr>
+  <mc:AlternateContent xmlns:mc="http://schemas.openxmlformats.org/markup-compatibility/2006" xmlns:p14="http://schemas.microsoft.com/office/powerpoint/2010/main">
+    <mc:Choice Requires="p14">
+      <p:transition spd="med" p14:dur="700">
+        <p:fade/>
+      </p:transition>
+    </mc:Choice>
+    <mc:Fallback xmlns="">
+      <p:transition spd="med">
+        <p:fade/>
+      </p:transition>
+    </mc:Fallback>
+  </mc:AlternateContent>
+</p:sld>
+</file>
+
+<file path=ppt/slides/slide2.xml><?xml version="1.0" encoding="utf-8"?>
+<p:sld xmlns:a="http://schemas.openxmlformats.org/drawingml/2006/main" xmlns:r="http://schemas.openxmlformats.org/officeDocument/2006/relationships" xmlns:p="http://schemas.openxmlformats.org/presentationml/2006/main">
+  <p:cSld>
+    <p:spTree>
+      <p:nvGrpSpPr>
+        <p:cNvPr id="1" name=""/>
+        <p:cNvGrpSpPr/>
+        <p:nvPr/>
+      </p:nvGrpSpPr>
+      <p:grpSpPr>
+        <a:xfrm>
+          <a:off x="0" y="0"/>
+          <a:ext cx="0" cy="0"/>
+          <a:chOff x="0" y="0"/>
+          <a:chExt cx="0" cy="0"/>
+        </a:xfrm>
+      </p:grpSpPr>
+      <p:sp>
+        <p:nvSpPr>
+          <p:cNvPr id="2" name="Title 1">
+            <a:extLst>
+              <a:ext uri="{FF2B5EF4-FFF2-40B4-BE49-F238E27FC236}">
+                <a16:creationId xmlns:a16="http://schemas.microsoft.com/office/drawing/2014/main" id="{103C3BC2-5FDA-4C49-BBEF-BAC79C018371}"/>
+              </a:ext>
+            </a:extLst>
+          </p:cNvPr>
+          <p:cNvSpPr>
+            <a:spLocks noGrp="1"/>
+          </p:cNvSpPr>
+          <p:nvPr>
+            <p:ph type="title"/>
+          </p:nvPr>
+        </p:nvSpPr>
+        <p:spPr/>
+        <p:txBody>
+          <a:bodyPr/>
+          <a:lstStyle/>
+          <a:p>
+            <a:r>
+              <a:rPr lang="en-US" dirty="0"/>
+              <a:t>Package Diagram</a:t>
+            </a:r>
+          </a:p>
+        </p:txBody>
+      </p:sp>
+      <p:sp>
+        <p:nvSpPr>
+          <p:cNvPr id="3" name="Content Placeholder 2">
+            <a:extLst>
+              <a:ext uri="{FF2B5EF4-FFF2-40B4-BE49-F238E27FC236}">
+                <a16:creationId xmlns:a16="http://schemas.microsoft.com/office/drawing/2014/main" id="{99FAD39A-2DC3-4099-B2D3-ADF735C70411}"/>
+              </a:ext>
+            </a:extLst>
+          </p:cNvPr>
+          <p:cNvSpPr>
+            <a:spLocks noGrp="1"/>
+          </p:cNvSpPr>
+          <p:nvPr>
+            <p:ph idx="1"/>
+          </p:nvPr>
+        </p:nvSpPr>
+        <p:spPr/>
+        <p:txBody>
+          <a:bodyPr/>
+          <a:lstStyle/>
+          <a:p>
+            <a:endParaRPr lang="en-US"/>
+          </a:p>
+        </p:txBody>
+      </p:sp>
+    </p:spTree>
+    <p:extLst>
+      <p:ext uri="{BB962C8B-B14F-4D97-AF65-F5344CB8AC3E}">
+        <p14:creationId xmlns:p14="http://schemas.microsoft.com/office/powerpoint/2010/main" val="2955473307"/>
+      </p:ext>
+    </p:extLst>
+  </p:cSld>
+  <p:clrMapOvr>
+    <a:masterClrMapping/>
+  </p:clrMapOvr>
+  <mc:AlternateContent xmlns:mc="http://schemas.openxmlformats.org/markup-compatibility/2006" xmlns:p14="http://schemas.microsoft.com/office/powerpoint/2010/main">
+    <mc:Choice Requires="p14">
+      <p:transition spd="med" p14:dur="700">
+        <p:fade/>
+      </p:transition>
+    </mc:Choice>
+    <mc:Fallback xmlns="">
+      <p:transition spd="med">
+        <p:fade/>
+      </p:transition>
+    </mc:Fallback>
+  </mc:AlternateContent>
+</p:sld>
+</file>
+
+<file path=ppt/slides/slide3.xml><?xml version="1.0" encoding="utf-8"?>
+<p:sld xmlns:a="http://schemas.openxmlformats.org/drawingml/2006/main" xmlns:r="http://schemas.openxmlformats.org/officeDocument/2006/relationships" xmlns:p="http://schemas.openxmlformats.org/presentationml/2006/main">
+  <p:cSld>
+    <p:spTree>
+      <p:nvGrpSpPr>
+        <p:cNvPr id="1" name=""/>
+        <p:cNvGrpSpPr/>
+        <p:nvPr/>
+      </p:nvGrpSpPr>
+      <p:grpSpPr>
+        <a:xfrm>
+          <a:off x="0" y="0"/>
+          <a:ext cx="0" cy="0"/>
+          <a:chOff x="0" y="0"/>
+          <a:chExt cx="0" cy="0"/>
+        </a:xfrm>
+      </p:grpSpPr>
+      <p:sp>
+        <p:nvSpPr>
+          <p:cNvPr id="2" name="Title 1">
+            <a:extLst>
+              <a:ext uri="{FF2B5EF4-FFF2-40B4-BE49-F238E27FC236}">
+                <a16:creationId xmlns:a16="http://schemas.microsoft.com/office/drawing/2014/main" id="{86902F4E-689D-468F-9AC3-8F6D7755ECF4}"/>
+              </a:ext>
+            </a:extLst>
+          </p:cNvPr>
+          <p:cNvSpPr>
+            <a:spLocks noGrp="1"/>
+          </p:cNvSpPr>
+          <p:nvPr>
+            <p:ph type="title"/>
+          </p:nvPr>
+        </p:nvSpPr>
+        <p:spPr/>
+        <p:txBody>
+          <a:bodyPr/>
+          <a:lstStyle/>
+          <a:p>
+            <a:r>
+              <a:rPr lang="en-US" dirty="0"/>
+              <a:t>Updated Design Class Diagram</a:t>
+            </a:r>
+          </a:p>
+        </p:txBody>
+      </p:sp>
+      <p:sp>
+        <p:nvSpPr>
+          <p:cNvPr id="3" name="Content Placeholder 2">
+            <a:extLst>
+              <a:ext uri="{FF2B5EF4-FFF2-40B4-BE49-F238E27FC236}">
+                <a16:creationId xmlns:a16="http://schemas.microsoft.com/office/drawing/2014/main" id="{D588CEBA-112C-4EB5-908B-AEF18A1DDFDE}"/>
+              </a:ext>
+            </a:extLst>
+          </p:cNvPr>
+          <p:cNvSpPr>
+            <a:spLocks noGrp="1"/>
+          </p:cNvSpPr>
+          <p:nvPr>
+            <p:ph idx="1"/>
+          </p:nvPr>
+        </p:nvSpPr>
+        <p:spPr/>
+        <p:txBody>
+          <a:bodyPr/>
+          <a:lstStyle/>
+          <a:p>
+            <a:endParaRPr lang="en-US"/>
+          </a:p>
+        </p:txBody>
+      </p:sp>
+    </p:spTree>
+    <p:extLst>
+      <p:ext uri="{BB962C8B-B14F-4D97-AF65-F5344CB8AC3E}">
+        <p14:creationId xmlns:p14="http://schemas.microsoft.com/office/powerpoint/2010/main" val="3703138513"/>
+      </p:ext>
+    </p:extLst>
+  </p:cSld>
+  <p:clrMapOvr>
+    <a:masterClrMapping/>
+  </p:clrMapOvr>
+  <mc:AlternateContent xmlns:mc="http://schemas.openxmlformats.org/markup-compatibility/2006" xmlns:p14="http://schemas.microsoft.com/office/powerpoint/2010/main">
+    <mc:Choice Requires="p14">
+      <p:transition spd="med" p14:dur="700">
+        <p:fade/>
+      </p:transition>
+    </mc:Choice>
+    <mc:Fallback xmlns="">
+      <p:transition spd="med">
+        <p:fade/>
+      </p:transition>
+    </mc:Fallback>
+  </mc:AlternateContent>
+</p:sld>
+</file>
+
+<file path=ppt/slides/slide4.xml><?xml version="1.0" encoding="utf-8"?>
+<p:sld xmlns:a="http://schemas.openxmlformats.org/drawingml/2006/main" xmlns:r="http://schemas.openxmlformats.org/officeDocument/2006/relationships" xmlns:p="http://schemas.openxmlformats.org/presentationml/2006/main">
+  <p:cSld>
+    <p:spTree>
+      <p:nvGrpSpPr>
+        <p:cNvPr id="1" name=""/>
+        <p:cNvGrpSpPr/>
+        <p:nvPr/>
+      </p:nvGrpSpPr>
+      <p:grpSpPr>
+        <a:xfrm>
+          <a:off x="0" y="0"/>
+          <a:ext cx="0" cy="0"/>
+          <a:chOff x="0" y="0"/>
+          <a:chExt cx="0" cy="0"/>
+        </a:xfrm>
+      </p:grpSpPr>
+      <p:sp>
+        <p:nvSpPr>
+          <p:cNvPr id="2" name="Title 1">
+            <a:extLst>
+              <a:ext uri="{FF2B5EF4-FFF2-40B4-BE49-F238E27FC236}">
+                <a16:creationId xmlns:a16="http://schemas.microsoft.com/office/drawing/2014/main" id="{A3A2AD15-9B79-4B41-A397-F5540D7E9324}"/>
+              </a:ext>
+            </a:extLst>
+          </p:cNvPr>
+          <p:cNvSpPr>
+            <a:spLocks noGrp="1"/>
+          </p:cNvSpPr>
+          <p:nvPr>
+            <p:ph type="title"/>
+          </p:nvPr>
+        </p:nvSpPr>
+        <p:spPr/>
+        <p:txBody>
+          <a:bodyPr/>
+          <a:lstStyle/>
+          <a:p>
+            <a:r>
+              <a:rPr lang="en-US" dirty="0"/>
+              <a:t>Refactoring and Design pattern list</a:t>
+            </a:r>
+          </a:p>
+        </p:txBody>
+      </p:sp>
+      <p:sp>
+        <p:nvSpPr>
+          <p:cNvPr id="3" name="Content Placeholder 2">
+            <a:extLst>
+              <a:ext uri="{FF2B5EF4-FFF2-40B4-BE49-F238E27FC236}">
+                <a16:creationId xmlns:a16="http://schemas.microsoft.com/office/drawing/2014/main" id="{3C438540-EF4F-4AD6-96A0-476B64F74730}"/>
+              </a:ext>
+            </a:extLst>
+          </p:cNvPr>
+          <p:cNvSpPr>
+            <a:spLocks noGrp="1"/>
+          </p:cNvSpPr>
+          <p:nvPr>
+            <p:ph idx="1"/>
+          </p:nvPr>
+        </p:nvSpPr>
+        <p:spPr/>
+        <p:txBody>
+          <a:bodyPr/>
+          <a:lstStyle/>
+          <a:p>
+            <a:endParaRPr lang="en-US"/>
+          </a:p>
+        </p:txBody>
+      </p:sp>
+    </p:spTree>
+    <p:extLst>
+      <p:ext uri="{BB962C8B-B14F-4D97-AF65-F5344CB8AC3E}">
+        <p14:creationId xmlns:p14="http://schemas.microsoft.com/office/powerpoint/2010/main" val="2295330270"/>
+      </p:ext>
+    </p:extLst>
+  </p:cSld>
+  <p:clrMapOvr>
+    <a:masterClrMapping/>
+  </p:clrMapOvr>
+  <mc:AlternateContent xmlns:mc="http://schemas.openxmlformats.org/markup-compatibility/2006" xmlns:p14="http://schemas.microsoft.com/office/powerpoint/2010/main">
+    <mc:Choice Requires="p14">
+      <p:transition spd="med" p14:dur="700">
+        <p:fade/>
+      </p:transition>
+    </mc:Choice>
+    <mc:Fallback xmlns="">
+      <p:transition spd="med">
+        <p:fade/>
+      </p:transition>
+    </mc:Fallback>
+  </mc:AlternateContent>
+</p:sld>
+</file>
+
+<file path=ppt/slides/slide5.xml><?xml version="1.0" encoding="utf-8"?>
+<p:sld xmlns:a="http://schemas.openxmlformats.org/drawingml/2006/main" xmlns:r="http://schemas.openxmlformats.org/officeDocument/2006/relationships" xmlns:p="http://schemas.openxmlformats.org/presentationml/2006/main">
+  <p:cSld>
+    <p:spTree>
+      <p:nvGrpSpPr>
+        <p:cNvPr id="1" name=""/>
+        <p:cNvGrpSpPr/>
+        <p:nvPr/>
+      </p:nvGrpSpPr>
+      <p:grpSpPr>
+        <a:xfrm>
+          <a:off x="0" y="0"/>
+          <a:ext cx="0" cy="0"/>
+          <a:chOff x="0" y="0"/>
+          <a:chExt cx="0" cy="0"/>
+        </a:xfrm>
+      </p:grpSpPr>
+      <p:sp>
+        <p:nvSpPr>
+          <p:cNvPr id="2" name="Title 1">
+            <a:extLst>
+              <a:ext uri="{FF2B5EF4-FFF2-40B4-BE49-F238E27FC236}">
+                <a16:creationId xmlns:a16="http://schemas.microsoft.com/office/drawing/2014/main" id="{E4629657-9629-4C65-8E96-6711F600A504}"/>
+              </a:ext>
+            </a:extLst>
+          </p:cNvPr>
+          <p:cNvSpPr>
+            <a:spLocks noGrp="1"/>
+          </p:cNvSpPr>
+          <p:nvPr>
+            <p:ph type="title"/>
+          </p:nvPr>
+        </p:nvSpPr>
+        <p:spPr/>
+        <p:txBody>
+          <a:bodyPr/>
+          <a:lstStyle/>
+          <a:p>
+            <a:r>
+              <a:rPr lang="en-US" dirty="0"/>
+              <a:t>Traceability Link Matrix</a:t>
+            </a:r>
+          </a:p>
+        </p:txBody>
+      </p:sp>
+      <p:graphicFrame>
+        <p:nvGraphicFramePr>
+          <p:cNvPr id="4" name="Content Placeholder 3">
+            <a:extLst>
+              <a:ext uri="{FF2B5EF4-FFF2-40B4-BE49-F238E27FC236}">
+                <a16:creationId xmlns:a16="http://schemas.microsoft.com/office/drawing/2014/main" id="{30505874-B9BE-43E5-89EC-9F81404A7AB7}"/>
+              </a:ext>
+            </a:extLst>
+          </p:cNvPr>
+          <p:cNvGraphicFramePr>
+            <a:graphicFrameLocks noGrp="1" noChangeAspect="1"/>
+          </p:cNvGraphicFramePr>
+          <p:nvPr>
+            <p:ph idx="1"/>
+            <p:extLst>
+              <p:ext uri="{D42A27DB-BD31-4B8C-83A1-F6EECF244321}">
+                <p14:modId xmlns:p14="http://schemas.microsoft.com/office/powerpoint/2010/main" val="1498792330"/>
+              </p:ext>
+            </p:extLst>
+          </p:nvPr>
+        </p:nvGraphicFramePr>
+        <p:xfrm>
+          <a:off x="288758" y="2358189"/>
+          <a:ext cx="11614484" cy="3545306"/>
+        </p:xfrm>
+        <a:graphic>
+          <a:graphicData uri="http://schemas.openxmlformats.org/presentationml/2006/ole">
+            <mc:AlternateContent xmlns:mc="http://schemas.openxmlformats.org/markup-compatibility/2006">
+              <mc:Choice xmlns:v="urn:schemas-microsoft-com:vml" Requires="v">
+                <p:oleObj spid="_x0000_s1030" name="Worksheet" r:id="rId3" imgW="8924969" imgH="1914761" progId="Excel.Sheet.12">
+                  <p:embed/>
+                </p:oleObj>
+              </mc:Choice>
+              <mc:Fallback>
+                <p:oleObj name="Worksheet" r:id="rId3" imgW="8924969" imgH="1914761" progId="Excel.Sheet.12">
+                  <p:embed/>
+                  <p:pic>
+                    <p:nvPicPr>
+                      <p:cNvPr id="0" name=""/>
+                      <p:cNvPicPr/>
+                      <p:nvPr/>
+                    </p:nvPicPr>
+                    <p:blipFill>
+                      <a:blip r:embed="rId4"/>
+                      <a:stretch>
+                        <a:fillRect/>
+                      </a:stretch>
+                    </p:blipFill>
+                    <p:spPr>
+                      <a:xfrm>
+                        <a:off x="288758" y="2358189"/>
+                        <a:ext cx="11614484" cy="3545306"/>
+                      </a:xfrm>
+                      <a:prstGeom prst="rect">
+                        <a:avLst/>
+                      </a:prstGeom>
+                    </p:spPr>
+                  </p:pic>
+                </p:oleObj>
+              </mc:Fallback>
+            </mc:AlternateContent>
+          </a:graphicData>
+        </a:graphic>
+      </p:graphicFrame>
+    </p:spTree>
+    <p:extLst>
+      <p:ext uri="{BB962C8B-B14F-4D97-AF65-F5344CB8AC3E}">
+        <p14:creationId xmlns:p14="http://schemas.microsoft.com/office/powerpoint/2010/main" val="1981077734"/>
+      </p:ext>
+    </p:extLst>
+  </p:cSld>
+  <p:clrMapOvr>
+    <a:masterClrMapping/>
+  </p:clrMapOvr>
+  <mc:AlternateContent xmlns:mc="http://schemas.openxmlformats.org/markup-compatibility/2006" xmlns:p14="http://schemas.microsoft.com/office/powerpoint/2010/main">
+    <mc:Choice Requires="p14">
+      <p:transition spd="med" p14:dur="700">
+        <p:fade/>
+      </p:transition>
+    </mc:Choice>
+    <mc:Fallback xmlns="">
+      <p:transition spd="med">
+        <p:fade/>
+      </p:transition>
+    </mc:Fallback>
+  </mc:AlternateContent>
+</p:sld>
+</file>
+
+<file path=ppt/slides/slide6.xml><?xml version="1.0" encoding="utf-8"?>
+<p:sld xmlns:a="http://schemas.openxmlformats.org/drawingml/2006/main" xmlns:r="http://schemas.openxmlformats.org/officeDocument/2006/relationships" xmlns:p="http://schemas.openxmlformats.org/presentationml/2006/main">
+  <p:cSld>
+    <p:spTree>
+      <p:nvGrpSpPr>
+        <p:cNvPr id="1" name=""/>
+        <p:cNvGrpSpPr/>
+        <p:nvPr/>
+      </p:nvGrpSpPr>
+      <p:grpSpPr>
+        <a:xfrm>
+          <a:off x="0" y="0"/>
+          <a:ext cx="0" cy="0"/>
+          <a:chOff x="0" y="0"/>
+          <a:chExt cx="0" cy="0"/>
+        </a:xfrm>
+      </p:grpSpPr>
+      <p:sp>
+        <p:nvSpPr>
+          <p:cNvPr id="2" name="Title 1">
+            <a:extLst>
+              <a:ext uri="{FF2B5EF4-FFF2-40B4-BE49-F238E27FC236}">
+                <a16:creationId xmlns:a16="http://schemas.microsoft.com/office/drawing/2014/main" id="{D8A2F149-64B7-4714-999B-BDD67BDEFC1C}"/>
+              </a:ext>
+            </a:extLst>
+          </p:cNvPr>
+          <p:cNvSpPr>
+            <a:spLocks noGrp="1"/>
+          </p:cNvSpPr>
+          <p:nvPr>
+            <p:ph type="title"/>
+          </p:nvPr>
+        </p:nvSpPr>
+        <p:spPr/>
+        <p:txBody>
+          <a:bodyPr/>
+          <a:lstStyle/>
+          <a:p>
+            <a:r>
+              <a:rPr lang="en-US" dirty="0"/>
+              <a:t>Entity Relationship diagram</a:t>
+            </a:r>
+          </a:p>
+        </p:txBody>
+      </p:sp>
+      <p:pic>
+        <p:nvPicPr>
+          <p:cNvPr id="5" name="Content Placeholder 4">
+            <a:extLst>
+              <a:ext uri="{FF2B5EF4-FFF2-40B4-BE49-F238E27FC236}">
+                <a16:creationId xmlns:a16="http://schemas.microsoft.com/office/drawing/2014/main" id="{6EBBA2E7-57F0-43A2-A1BD-122941867D02}"/>
+              </a:ext>
+            </a:extLst>
+          </p:cNvPr>
+          <p:cNvPicPr>
+            <a:picLocks noGrp="1" noChangeAspect="1"/>
+          </p:cNvPicPr>
+          <p:nvPr>
+            <p:ph idx="1"/>
+          </p:nvPr>
+        </p:nvPicPr>
+        <p:blipFill>
+          <a:blip r:embed="rId2">
+            <a:extLst>
+              <a:ext uri="{28A0092B-C50C-407E-A947-70E740481C1C}">
+                <a14:useLocalDpi xmlns:a14="http://schemas.microsoft.com/office/drawing/2010/main" val="0"/>
+              </a:ext>
+            </a:extLst>
+          </a:blip>
+          <a:stretch>
+            <a:fillRect/>
+          </a:stretch>
+        </p:blipFill>
+        <p:spPr>
+          <a:xfrm>
+            <a:off x="1431133" y="1993631"/>
+            <a:ext cx="9328745" cy="4508522"/>
+          </a:xfrm>
+        </p:spPr>
+      </p:pic>
+    </p:spTree>
+    <p:extLst>
+      <p:ext uri="{BB962C8B-B14F-4D97-AF65-F5344CB8AC3E}">
+        <p14:creationId xmlns:p14="http://schemas.microsoft.com/office/powerpoint/2010/main" val="3718207852"/>
       </p:ext>
     </p:extLst>
   </p:cSld>

--- a/Presentation 4/Presentation.pptx
+++ b/Presentation 4/Presentation.pptx
@@ -5,18 +5,22 @@
     <p:sldMasterId id="2147483672" r:id="rId1"/>
   </p:sldMasterIdLst>
   <p:notesMasterIdLst>
-    <p:notesMasterId r:id="rId8"/>
+    <p:notesMasterId r:id="rId12"/>
   </p:notesMasterIdLst>
   <p:handoutMasterIdLst>
-    <p:handoutMasterId r:id="rId9"/>
+    <p:handoutMasterId r:id="rId13"/>
   </p:handoutMasterIdLst>
   <p:sldIdLst>
     <p:sldId id="282" r:id="rId2"/>
-    <p:sldId id="286" r:id="rId3"/>
-    <p:sldId id="285" r:id="rId4"/>
-    <p:sldId id="287" r:id="rId5"/>
-    <p:sldId id="284" r:id="rId6"/>
-    <p:sldId id="283" r:id="rId7"/>
+    <p:sldId id="283" r:id="rId3"/>
+    <p:sldId id="286" r:id="rId4"/>
+    <p:sldId id="285" r:id="rId5"/>
+    <p:sldId id="290" r:id="rId6"/>
+    <p:sldId id="291" r:id="rId7"/>
+    <p:sldId id="288" r:id="rId8"/>
+    <p:sldId id="289" r:id="rId9"/>
+    <p:sldId id="287" r:id="rId10"/>
+    <p:sldId id="284" r:id="rId11"/>
   </p:sldIdLst>
   <p:sldSz cx="12192000" cy="6858000"/>
   <p:notesSz cx="6858000" cy="9144000"/>
@@ -4817,7 +4821,7 @@
 </p:sld>
 </file>
 
-<file path=ppt/slides/slide2.xml><?xml version="1.0" encoding="utf-8"?>
+<file path=ppt/slides/slide10.xml><?xml version="1.0" encoding="utf-8"?>
 <p:sld xmlns:a="http://schemas.openxmlformats.org/drawingml/2006/main" xmlns:r="http://schemas.openxmlformats.org/officeDocument/2006/relationships" xmlns:p="http://schemas.openxmlformats.org/presentationml/2006/main">
   <p:cSld>
     <p:spTree>
@@ -4839,291 +4843,6 @@
           <p:cNvPr id="2" name="Title 1">
             <a:extLst>
               <a:ext uri="{FF2B5EF4-FFF2-40B4-BE49-F238E27FC236}">
-                <a16:creationId xmlns:a16="http://schemas.microsoft.com/office/drawing/2014/main" id="{103C3BC2-5FDA-4C49-BBEF-BAC79C018371}"/>
-              </a:ext>
-            </a:extLst>
-          </p:cNvPr>
-          <p:cNvSpPr>
-            <a:spLocks noGrp="1"/>
-          </p:cNvSpPr>
-          <p:nvPr>
-            <p:ph type="title"/>
-          </p:nvPr>
-        </p:nvSpPr>
-        <p:spPr/>
-        <p:txBody>
-          <a:bodyPr/>
-          <a:lstStyle/>
-          <a:p>
-            <a:r>
-              <a:rPr lang="en-US" dirty="0"/>
-              <a:t>Package Diagram</a:t>
-            </a:r>
-          </a:p>
-        </p:txBody>
-      </p:sp>
-      <p:sp>
-        <p:nvSpPr>
-          <p:cNvPr id="3" name="Content Placeholder 2">
-            <a:extLst>
-              <a:ext uri="{FF2B5EF4-FFF2-40B4-BE49-F238E27FC236}">
-                <a16:creationId xmlns:a16="http://schemas.microsoft.com/office/drawing/2014/main" id="{99FAD39A-2DC3-4099-B2D3-ADF735C70411}"/>
-              </a:ext>
-            </a:extLst>
-          </p:cNvPr>
-          <p:cNvSpPr>
-            <a:spLocks noGrp="1"/>
-          </p:cNvSpPr>
-          <p:nvPr>
-            <p:ph idx="1"/>
-          </p:nvPr>
-        </p:nvSpPr>
-        <p:spPr/>
-        <p:txBody>
-          <a:bodyPr/>
-          <a:lstStyle/>
-          <a:p>
-            <a:endParaRPr lang="en-US"/>
-          </a:p>
-        </p:txBody>
-      </p:sp>
-    </p:spTree>
-    <p:extLst>
-      <p:ext uri="{BB962C8B-B14F-4D97-AF65-F5344CB8AC3E}">
-        <p14:creationId xmlns:p14="http://schemas.microsoft.com/office/powerpoint/2010/main" val="2955473307"/>
-      </p:ext>
-    </p:extLst>
-  </p:cSld>
-  <p:clrMapOvr>
-    <a:masterClrMapping/>
-  </p:clrMapOvr>
-  <mc:AlternateContent xmlns:mc="http://schemas.openxmlformats.org/markup-compatibility/2006" xmlns:p14="http://schemas.microsoft.com/office/powerpoint/2010/main">
-    <mc:Choice Requires="p14">
-      <p:transition spd="med" p14:dur="700">
-        <p:fade/>
-      </p:transition>
-    </mc:Choice>
-    <mc:Fallback xmlns="">
-      <p:transition spd="med">
-        <p:fade/>
-      </p:transition>
-    </mc:Fallback>
-  </mc:AlternateContent>
-</p:sld>
-</file>
-
-<file path=ppt/slides/slide3.xml><?xml version="1.0" encoding="utf-8"?>
-<p:sld xmlns:a="http://schemas.openxmlformats.org/drawingml/2006/main" xmlns:r="http://schemas.openxmlformats.org/officeDocument/2006/relationships" xmlns:p="http://schemas.openxmlformats.org/presentationml/2006/main">
-  <p:cSld>
-    <p:spTree>
-      <p:nvGrpSpPr>
-        <p:cNvPr id="1" name=""/>
-        <p:cNvGrpSpPr/>
-        <p:nvPr/>
-      </p:nvGrpSpPr>
-      <p:grpSpPr>
-        <a:xfrm>
-          <a:off x="0" y="0"/>
-          <a:ext cx="0" cy="0"/>
-          <a:chOff x="0" y="0"/>
-          <a:chExt cx="0" cy="0"/>
-        </a:xfrm>
-      </p:grpSpPr>
-      <p:sp>
-        <p:nvSpPr>
-          <p:cNvPr id="2" name="Title 1">
-            <a:extLst>
-              <a:ext uri="{FF2B5EF4-FFF2-40B4-BE49-F238E27FC236}">
-                <a16:creationId xmlns:a16="http://schemas.microsoft.com/office/drawing/2014/main" id="{86902F4E-689D-468F-9AC3-8F6D7755ECF4}"/>
-              </a:ext>
-            </a:extLst>
-          </p:cNvPr>
-          <p:cNvSpPr>
-            <a:spLocks noGrp="1"/>
-          </p:cNvSpPr>
-          <p:nvPr>
-            <p:ph type="title"/>
-          </p:nvPr>
-        </p:nvSpPr>
-        <p:spPr/>
-        <p:txBody>
-          <a:bodyPr/>
-          <a:lstStyle/>
-          <a:p>
-            <a:r>
-              <a:rPr lang="en-US" dirty="0"/>
-              <a:t>Updated Design Class Diagram</a:t>
-            </a:r>
-          </a:p>
-        </p:txBody>
-      </p:sp>
-      <p:sp>
-        <p:nvSpPr>
-          <p:cNvPr id="3" name="Content Placeholder 2">
-            <a:extLst>
-              <a:ext uri="{FF2B5EF4-FFF2-40B4-BE49-F238E27FC236}">
-                <a16:creationId xmlns:a16="http://schemas.microsoft.com/office/drawing/2014/main" id="{D588CEBA-112C-4EB5-908B-AEF18A1DDFDE}"/>
-              </a:ext>
-            </a:extLst>
-          </p:cNvPr>
-          <p:cNvSpPr>
-            <a:spLocks noGrp="1"/>
-          </p:cNvSpPr>
-          <p:nvPr>
-            <p:ph idx="1"/>
-          </p:nvPr>
-        </p:nvSpPr>
-        <p:spPr/>
-        <p:txBody>
-          <a:bodyPr/>
-          <a:lstStyle/>
-          <a:p>
-            <a:endParaRPr lang="en-US"/>
-          </a:p>
-        </p:txBody>
-      </p:sp>
-    </p:spTree>
-    <p:extLst>
-      <p:ext uri="{BB962C8B-B14F-4D97-AF65-F5344CB8AC3E}">
-        <p14:creationId xmlns:p14="http://schemas.microsoft.com/office/powerpoint/2010/main" val="3703138513"/>
-      </p:ext>
-    </p:extLst>
-  </p:cSld>
-  <p:clrMapOvr>
-    <a:masterClrMapping/>
-  </p:clrMapOvr>
-  <mc:AlternateContent xmlns:mc="http://schemas.openxmlformats.org/markup-compatibility/2006" xmlns:p14="http://schemas.microsoft.com/office/powerpoint/2010/main">
-    <mc:Choice Requires="p14">
-      <p:transition spd="med" p14:dur="700">
-        <p:fade/>
-      </p:transition>
-    </mc:Choice>
-    <mc:Fallback xmlns="">
-      <p:transition spd="med">
-        <p:fade/>
-      </p:transition>
-    </mc:Fallback>
-  </mc:AlternateContent>
-</p:sld>
-</file>
-
-<file path=ppt/slides/slide4.xml><?xml version="1.0" encoding="utf-8"?>
-<p:sld xmlns:a="http://schemas.openxmlformats.org/drawingml/2006/main" xmlns:r="http://schemas.openxmlformats.org/officeDocument/2006/relationships" xmlns:p="http://schemas.openxmlformats.org/presentationml/2006/main">
-  <p:cSld>
-    <p:spTree>
-      <p:nvGrpSpPr>
-        <p:cNvPr id="1" name=""/>
-        <p:cNvGrpSpPr/>
-        <p:nvPr/>
-      </p:nvGrpSpPr>
-      <p:grpSpPr>
-        <a:xfrm>
-          <a:off x="0" y="0"/>
-          <a:ext cx="0" cy="0"/>
-          <a:chOff x="0" y="0"/>
-          <a:chExt cx="0" cy="0"/>
-        </a:xfrm>
-      </p:grpSpPr>
-      <p:sp>
-        <p:nvSpPr>
-          <p:cNvPr id="2" name="Title 1">
-            <a:extLst>
-              <a:ext uri="{FF2B5EF4-FFF2-40B4-BE49-F238E27FC236}">
-                <a16:creationId xmlns:a16="http://schemas.microsoft.com/office/drawing/2014/main" id="{A3A2AD15-9B79-4B41-A397-F5540D7E9324}"/>
-              </a:ext>
-            </a:extLst>
-          </p:cNvPr>
-          <p:cNvSpPr>
-            <a:spLocks noGrp="1"/>
-          </p:cNvSpPr>
-          <p:nvPr>
-            <p:ph type="title"/>
-          </p:nvPr>
-        </p:nvSpPr>
-        <p:spPr/>
-        <p:txBody>
-          <a:bodyPr/>
-          <a:lstStyle/>
-          <a:p>
-            <a:r>
-              <a:rPr lang="en-US" dirty="0"/>
-              <a:t>Refactoring and Design pattern list</a:t>
-            </a:r>
-          </a:p>
-        </p:txBody>
-      </p:sp>
-      <p:sp>
-        <p:nvSpPr>
-          <p:cNvPr id="3" name="Content Placeholder 2">
-            <a:extLst>
-              <a:ext uri="{FF2B5EF4-FFF2-40B4-BE49-F238E27FC236}">
-                <a16:creationId xmlns:a16="http://schemas.microsoft.com/office/drawing/2014/main" id="{3C438540-EF4F-4AD6-96A0-476B64F74730}"/>
-              </a:ext>
-            </a:extLst>
-          </p:cNvPr>
-          <p:cNvSpPr>
-            <a:spLocks noGrp="1"/>
-          </p:cNvSpPr>
-          <p:nvPr>
-            <p:ph idx="1"/>
-          </p:nvPr>
-        </p:nvSpPr>
-        <p:spPr/>
-        <p:txBody>
-          <a:bodyPr/>
-          <a:lstStyle/>
-          <a:p>
-            <a:endParaRPr lang="en-US"/>
-          </a:p>
-        </p:txBody>
-      </p:sp>
-    </p:spTree>
-    <p:extLst>
-      <p:ext uri="{BB962C8B-B14F-4D97-AF65-F5344CB8AC3E}">
-        <p14:creationId xmlns:p14="http://schemas.microsoft.com/office/powerpoint/2010/main" val="2295330270"/>
-      </p:ext>
-    </p:extLst>
-  </p:cSld>
-  <p:clrMapOvr>
-    <a:masterClrMapping/>
-  </p:clrMapOvr>
-  <mc:AlternateContent xmlns:mc="http://schemas.openxmlformats.org/markup-compatibility/2006" xmlns:p14="http://schemas.microsoft.com/office/powerpoint/2010/main">
-    <mc:Choice Requires="p14">
-      <p:transition spd="med" p14:dur="700">
-        <p:fade/>
-      </p:transition>
-    </mc:Choice>
-    <mc:Fallback xmlns="">
-      <p:transition spd="med">
-        <p:fade/>
-      </p:transition>
-    </mc:Fallback>
-  </mc:AlternateContent>
-</p:sld>
-</file>
-
-<file path=ppt/slides/slide5.xml><?xml version="1.0" encoding="utf-8"?>
-<p:sld xmlns:a="http://schemas.openxmlformats.org/drawingml/2006/main" xmlns:r="http://schemas.openxmlformats.org/officeDocument/2006/relationships" xmlns:p="http://schemas.openxmlformats.org/presentationml/2006/main">
-  <p:cSld>
-    <p:spTree>
-      <p:nvGrpSpPr>
-        <p:cNvPr id="1" name=""/>
-        <p:cNvGrpSpPr/>
-        <p:nvPr/>
-      </p:nvGrpSpPr>
-      <p:grpSpPr>
-        <a:xfrm>
-          <a:off x="0" y="0"/>
-          <a:ext cx="0" cy="0"/>
-          <a:chOff x="0" y="0"/>
-          <a:chExt cx="0" cy="0"/>
-        </a:xfrm>
-      </p:grpSpPr>
-      <p:sp>
-        <p:nvSpPr>
-          <p:cNvPr id="2" name="Title 1">
-            <a:extLst>
-              <a:ext uri="{FF2B5EF4-FFF2-40B4-BE49-F238E27FC236}">
                 <a16:creationId xmlns:a16="http://schemas.microsoft.com/office/drawing/2014/main" id="{E4629657-9629-4C65-8E96-6711F600A504}"/>
               </a:ext>
             </a:extLst>
@@ -5176,7 +4895,7 @@
           <a:graphicData uri="http://schemas.openxmlformats.org/presentationml/2006/ole">
             <mc:AlternateContent xmlns:mc="http://schemas.openxmlformats.org/markup-compatibility/2006">
               <mc:Choice xmlns:v="urn:schemas-microsoft-com:vml" Requires="v">
-                <p:oleObj spid="_x0000_s1030" name="Worksheet" r:id="rId3" imgW="8924969" imgH="1914761" progId="Excel.Sheet.12">
+                <p:oleObj spid="_x0000_s1035" name="Worksheet" r:id="rId3" imgW="8924969" imgH="1914761" progId="Excel.Sheet.12">
                   <p:embed/>
                 </p:oleObj>
               </mc:Choice>
@@ -5236,7 +4955,7 @@
 </p:sld>
 </file>
 
-<file path=ppt/slides/slide6.xml><?xml version="1.0" encoding="utf-8"?>
+<file path=ppt/slides/slide2.xml><?xml version="1.0" encoding="utf-8"?>
 <p:sld xmlns:a="http://schemas.openxmlformats.org/drawingml/2006/main" xmlns:r="http://schemas.openxmlformats.org/officeDocument/2006/relationships" xmlns:p="http://schemas.openxmlformats.org/presentationml/2006/main">
   <p:cSld>
     <p:spTree>
@@ -5320,6 +5039,723 @@
     <p:extLst>
       <p:ext uri="{BB962C8B-B14F-4D97-AF65-F5344CB8AC3E}">
         <p14:creationId xmlns:p14="http://schemas.microsoft.com/office/powerpoint/2010/main" val="3718207852"/>
+      </p:ext>
+    </p:extLst>
+  </p:cSld>
+  <p:clrMapOvr>
+    <a:masterClrMapping/>
+  </p:clrMapOvr>
+  <mc:AlternateContent xmlns:mc="http://schemas.openxmlformats.org/markup-compatibility/2006" xmlns:p14="http://schemas.microsoft.com/office/powerpoint/2010/main">
+    <mc:Choice Requires="p14">
+      <p:transition spd="med" p14:dur="700">
+        <p:fade/>
+      </p:transition>
+    </mc:Choice>
+    <mc:Fallback xmlns="">
+      <p:transition spd="med">
+        <p:fade/>
+      </p:transition>
+    </mc:Fallback>
+  </mc:AlternateContent>
+</p:sld>
+</file>
+
+<file path=ppt/slides/slide3.xml><?xml version="1.0" encoding="utf-8"?>
+<p:sld xmlns:a="http://schemas.openxmlformats.org/drawingml/2006/main" xmlns:r="http://schemas.openxmlformats.org/officeDocument/2006/relationships" xmlns:p="http://schemas.openxmlformats.org/presentationml/2006/main">
+  <p:cSld>
+    <p:spTree>
+      <p:nvGrpSpPr>
+        <p:cNvPr id="1" name=""/>
+        <p:cNvGrpSpPr/>
+        <p:nvPr/>
+      </p:nvGrpSpPr>
+      <p:grpSpPr>
+        <a:xfrm>
+          <a:off x="0" y="0"/>
+          <a:ext cx="0" cy="0"/>
+          <a:chOff x="0" y="0"/>
+          <a:chExt cx="0" cy="0"/>
+        </a:xfrm>
+      </p:grpSpPr>
+      <p:sp>
+        <p:nvSpPr>
+          <p:cNvPr id="2" name="Title 1">
+            <a:extLst>
+              <a:ext uri="{FF2B5EF4-FFF2-40B4-BE49-F238E27FC236}">
+                <a16:creationId xmlns:a16="http://schemas.microsoft.com/office/drawing/2014/main" id="{103C3BC2-5FDA-4C49-BBEF-BAC79C018371}"/>
+              </a:ext>
+            </a:extLst>
+          </p:cNvPr>
+          <p:cNvSpPr>
+            <a:spLocks noGrp="1"/>
+          </p:cNvSpPr>
+          <p:nvPr>
+            <p:ph type="title"/>
+          </p:nvPr>
+        </p:nvSpPr>
+        <p:spPr/>
+        <p:txBody>
+          <a:bodyPr/>
+          <a:lstStyle/>
+          <a:p>
+            <a:r>
+              <a:rPr lang="en-US" dirty="0"/>
+              <a:t>Package Diagram</a:t>
+            </a:r>
+          </a:p>
+        </p:txBody>
+      </p:sp>
+      <p:pic>
+        <p:nvPicPr>
+          <p:cNvPr id="7" name="Content Placeholder 6">
+            <a:extLst>
+              <a:ext uri="{FF2B5EF4-FFF2-40B4-BE49-F238E27FC236}">
+                <a16:creationId xmlns:a16="http://schemas.microsoft.com/office/drawing/2014/main" id="{EA3EF9EB-1810-4557-8C55-7DA3320325E0}"/>
+              </a:ext>
+            </a:extLst>
+          </p:cNvPr>
+          <p:cNvPicPr>
+            <a:picLocks noGrp="1" noChangeAspect="1"/>
+          </p:cNvPicPr>
+          <p:nvPr>
+            <p:ph idx="1"/>
+          </p:nvPr>
+        </p:nvPicPr>
+        <p:blipFill>
+          <a:blip r:embed="rId2">
+            <a:extLst>
+              <a:ext uri="{28A0092B-C50C-407E-A947-70E740481C1C}">
+                <a14:useLocalDpi xmlns:a14="http://schemas.microsoft.com/office/drawing/2010/main" val="0"/>
+              </a:ext>
+            </a:extLst>
+          </a:blip>
+          <a:stretch>
+            <a:fillRect/>
+          </a:stretch>
+        </p:blipFill>
+        <p:spPr>
+          <a:xfrm>
+            <a:off x="1229926" y="1759663"/>
+            <a:ext cx="9767073" cy="4326099"/>
+          </a:xfrm>
+        </p:spPr>
+      </p:pic>
+    </p:spTree>
+    <p:extLst>
+      <p:ext uri="{BB962C8B-B14F-4D97-AF65-F5344CB8AC3E}">
+        <p14:creationId xmlns:p14="http://schemas.microsoft.com/office/powerpoint/2010/main" val="2955473307"/>
+      </p:ext>
+    </p:extLst>
+  </p:cSld>
+  <p:clrMapOvr>
+    <a:masterClrMapping/>
+  </p:clrMapOvr>
+  <mc:AlternateContent xmlns:mc="http://schemas.openxmlformats.org/markup-compatibility/2006" xmlns:p14="http://schemas.microsoft.com/office/powerpoint/2010/main">
+    <mc:Choice Requires="p14">
+      <p:transition spd="med" p14:dur="700">
+        <p:fade/>
+      </p:transition>
+    </mc:Choice>
+    <mc:Fallback xmlns="">
+      <p:transition spd="med">
+        <p:fade/>
+      </p:transition>
+    </mc:Fallback>
+  </mc:AlternateContent>
+</p:sld>
+</file>
+
+<file path=ppt/slides/slide4.xml><?xml version="1.0" encoding="utf-8"?>
+<p:sld xmlns:a="http://schemas.openxmlformats.org/drawingml/2006/main" xmlns:r="http://schemas.openxmlformats.org/officeDocument/2006/relationships" xmlns:p="http://schemas.openxmlformats.org/presentationml/2006/main">
+  <p:cSld>
+    <p:spTree>
+      <p:nvGrpSpPr>
+        <p:cNvPr id="1" name=""/>
+        <p:cNvGrpSpPr/>
+        <p:nvPr/>
+      </p:nvGrpSpPr>
+      <p:grpSpPr>
+        <a:xfrm>
+          <a:off x="0" y="0"/>
+          <a:ext cx="0" cy="0"/>
+          <a:chOff x="0" y="0"/>
+          <a:chExt cx="0" cy="0"/>
+        </a:xfrm>
+      </p:grpSpPr>
+      <p:sp>
+        <p:nvSpPr>
+          <p:cNvPr id="2" name="Title 1">
+            <a:extLst>
+              <a:ext uri="{FF2B5EF4-FFF2-40B4-BE49-F238E27FC236}">
+                <a16:creationId xmlns:a16="http://schemas.microsoft.com/office/drawing/2014/main" id="{86902F4E-689D-468F-9AC3-8F6D7755ECF4}"/>
+              </a:ext>
+            </a:extLst>
+          </p:cNvPr>
+          <p:cNvSpPr>
+            <a:spLocks noGrp="1"/>
+          </p:cNvSpPr>
+          <p:nvPr>
+            <p:ph type="title"/>
+          </p:nvPr>
+        </p:nvSpPr>
+        <p:spPr/>
+        <p:txBody>
+          <a:bodyPr/>
+          <a:lstStyle/>
+          <a:p>
+            <a:r>
+              <a:rPr lang="en-US" dirty="0"/>
+              <a:t>Updated Design Class Diagram, Overview</a:t>
+            </a:r>
+          </a:p>
+        </p:txBody>
+      </p:sp>
+      <p:pic>
+        <p:nvPicPr>
+          <p:cNvPr id="5" name="Content Placeholder 4">
+            <a:extLst>
+              <a:ext uri="{FF2B5EF4-FFF2-40B4-BE49-F238E27FC236}">
+                <a16:creationId xmlns:a16="http://schemas.microsoft.com/office/drawing/2014/main" id="{E9878F2F-C815-4772-AFB6-57B405C48D3E}"/>
+              </a:ext>
+            </a:extLst>
+          </p:cNvPr>
+          <p:cNvPicPr>
+            <a:picLocks noGrp="1" noChangeAspect="1"/>
+          </p:cNvPicPr>
+          <p:nvPr>
+            <p:ph idx="1"/>
+          </p:nvPr>
+        </p:nvPicPr>
+        <p:blipFill>
+          <a:blip r:embed="rId2" cstate="print">
+            <a:extLst>
+              <a:ext uri="{28A0092B-C50C-407E-A947-70E740481C1C}">
+                <a14:useLocalDpi xmlns:a14="http://schemas.microsoft.com/office/drawing/2010/main" val="0"/>
+              </a:ext>
+            </a:extLst>
+          </a:blip>
+          <a:stretch>
+            <a:fillRect/>
+          </a:stretch>
+        </p:blipFill>
+        <p:spPr>
+          <a:xfrm>
+            <a:off x="3247765" y="1683168"/>
+            <a:ext cx="5696469" cy="4930787"/>
+          </a:xfrm>
+        </p:spPr>
+      </p:pic>
+    </p:spTree>
+    <p:extLst>
+      <p:ext uri="{BB962C8B-B14F-4D97-AF65-F5344CB8AC3E}">
+        <p14:creationId xmlns:p14="http://schemas.microsoft.com/office/powerpoint/2010/main" val="3703138513"/>
+      </p:ext>
+    </p:extLst>
+  </p:cSld>
+  <p:clrMapOvr>
+    <a:masterClrMapping/>
+  </p:clrMapOvr>
+  <mc:AlternateContent xmlns:mc="http://schemas.openxmlformats.org/markup-compatibility/2006" xmlns:p14="http://schemas.microsoft.com/office/powerpoint/2010/main">
+    <mc:Choice Requires="p14">
+      <p:transition spd="med" p14:dur="700">
+        <p:fade/>
+      </p:transition>
+    </mc:Choice>
+    <mc:Fallback xmlns="">
+      <p:transition spd="med">
+        <p:fade/>
+      </p:transition>
+    </mc:Fallback>
+  </mc:AlternateContent>
+</p:sld>
+</file>
+
+<file path=ppt/slides/slide5.xml><?xml version="1.0" encoding="utf-8"?>
+<p:sld xmlns:a="http://schemas.openxmlformats.org/drawingml/2006/main" xmlns:r="http://schemas.openxmlformats.org/officeDocument/2006/relationships" xmlns:p="http://schemas.openxmlformats.org/presentationml/2006/main">
+  <p:cSld>
+    <p:spTree>
+      <p:nvGrpSpPr>
+        <p:cNvPr id="1" name=""/>
+        <p:cNvGrpSpPr/>
+        <p:nvPr/>
+      </p:nvGrpSpPr>
+      <p:grpSpPr>
+        <a:xfrm>
+          <a:off x="0" y="0"/>
+          <a:ext cx="0" cy="0"/>
+          <a:chOff x="0" y="0"/>
+          <a:chExt cx="0" cy="0"/>
+        </a:xfrm>
+      </p:grpSpPr>
+      <p:pic>
+        <p:nvPicPr>
+          <p:cNvPr id="4" name="Content Placeholder 3">
+            <a:extLst>
+              <a:ext uri="{FF2B5EF4-FFF2-40B4-BE49-F238E27FC236}">
+                <a16:creationId xmlns:a16="http://schemas.microsoft.com/office/drawing/2014/main" id="{5BDE9BAF-26A0-4547-A37B-352429E48AA7}"/>
+              </a:ext>
+            </a:extLst>
+          </p:cNvPr>
+          <p:cNvPicPr>
+            <a:picLocks noGrp="1" noChangeAspect="1"/>
+          </p:cNvPicPr>
+          <p:nvPr>
+            <p:ph idx="1"/>
+          </p:nvPr>
+        </p:nvPicPr>
+        <p:blipFill>
+          <a:blip r:embed="rId2"/>
+          <a:stretch>
+            <a:fillRect/>
+          </a:stretch>
+        </p:blipFill>
+        <p:spPr>
+          <a:xfrm>
+            <a:off x="648316" y="132266"/>
+            <a:ext cx="10894379" cy="6593468"/>
+          </a:xfrm>
+          <a:prstGeom prst="rect">
+            <a:avLst/>
+          </a:prstGeom>
+        </p:spPr>
+      </p:pic>
+    </p:spTree>
+    <p:extLst>
+      <p:ext uri="{BB962C8B-B14F-4D97-AF65-F5344CB8AC3E}">
+        <p14:creationId xmlns:p14="http://schemas.microsoft.com/office/powerpoint/2010/main" val="3090146345"/>
+      </p:ext>
+    </p:extLst>
+  </p:cSld>
+  <p:clrMapOvr>
+    <a:masterClrMapping/>
+  </p:clrMapOvr>
+  <mc:AlternateContent xmlns:mc="http://schemas.openxmlformats.org/markup-compatibility/2006" xmlns:p14="http://schemas.microsoft.com/office/powerpoint/2010/main">
+    <mc:Choice Requires="p14">
+      <p:transition spd="med" p14:dur="700">
+        <p:fade/>
+      </p:transition>
+    </mc:Choice>
+    <mc:Fallback xmlns="">
+      <p:transition spd="med">
+        <p:fade/>
+      </p:transition>
+    </mc:Fallback>
+  </mc:AlternateContent>
+</p:sld>
+</file>
+
+<file path=ppt/slides/slide6.xml><?xml version="1.0" encoding="utf-8"?>
+<p:sld xmlns:a="http://schemas.openxmlformats.org/drawingml/2006/main" xmlns:r="http://schemas.openxmlformats.org/officeDocument/2006/relationships" xmlns:p="http://schemas.openxmlformats.org/presentationml/2006/main">
+  <p:cSld>
+    <p:spTree>
+      <p:nvGrpSpPr>
+        <p:cNvPr id="1" name=""/>
+        <p:cNvGrpSpPr/>
+        <p:nvPr/>
+      </p:nvGrpSpPr>
+      <p:grpSpPr>
+        <a:xfrm>
+          <a:off x="0" y="0"/>
+          <a:ext cx="0" cy="0"/>
+          <a:chOff x="0" y="0"/>
+          <a:chExt cx="0" cy="0"/>
+        </a:xfrm>
+      </p:grpSpPr>
+      <p:pic>
+        <p:nvPicPr>
+          <p:cNvPr id="4" name="Content Placeholder 3">
+            <a:extLst>
+              <a:ext uri="{FF2B5EF4-FFF2-40B4-BE49-F238E27FC236}">
+                <a16:creationId xmlns:a16="http://schemas.microsoft.com/office/drawing/2014/main" id="{68D53E88-1C82-4B53-BDAE-B5F93B0FE8E6}"/>
+              </a:ext>
+            </a:extLst>
+          </p:cNvPr>
+          <p:cNvPicPr>
+            <a:picLocks noGrp="1" noChangeAspect="1"/>
+          </p:cNvPicPr>
+          <p:nvPr>
+            <p:ph idx="1"/>
+          </p:nvPr>
+        </p:nvPicPr>
+        <p:blipFill>
+          <a:blip r:embed="rId2"/>
+          <a:stretch>
+            <a:fillRect/>
+          </a:stretch>
+        </p:blipFill>
+        <p:spPr>
+          <a:xfrm>
+            <a:off x="1542715" y="-25761"/>
+            <a:ext cx="2576675" cy="6909521"/>
+          </a:xfrm>
+          <a:prstGeom prst="rect">
+            <a:avLst/>
+          </a:prstGeom>
+        </p:spPr>
+      </p:pic>
+      <p:pic>
+        <p:nvPicPr>
+          <p:cNvPr id="5" name="Picture 4">
+            <a:extLst>
+              <a:ext uri="{FF2B5EF4-FFF2-40B4-BE49-F238E27FC236}">
+                <a16:creationId xmlns:a16="http://schemas.microsoft.com/office/drawing/2014/main" id="{75DD84E4-A126-478B-908A-A657D4EEBC71}"/>
+              </a:ext>
+            </a:extLst>
+          </p:cNvPr>
+          <p:cNvPicPr>
+            <a:picLocks noChangeAspect="1"/>
+          </p:cNvPicPr>
+          <p:nvPr/>
+        </p:nvPicPr>
+        <p:blipFill>
+          <a:blip r:embed="rId3"/>
+          <a:stretch>
+            <a:fillRect/>
+          </a:stretch>
+        </p:blipFill>
+        <p:spPr>
+          <a:xfrm>
+            <a:off x="5446877" y="-1"/>
+            <a:ext cx="6152903" cy="6858000"/>
+          </a:xfrm>
+          <a:prstGeom prst="rect">
+            <a:avLst/>
+          </a:prstGeom>
+        </p:spPr>
+      </p:pic>
+    </p:spTree>
+    <p:extLst>
+      <p:ext uri="{BB962C8B-B14F-4D97-AF65-F5344CB8AC3E}">
+        <p14:creationId xmlns:p14="http://schemas.microsoft.com/office/powerpoint/2010/main" val="2768447268"/>
+      </p:ext>
+    </p:extLst>
+  </p:cSld>
+  <p:clrMapOvr>
+    <a:masterClrMapping/>
+  </p:clrMapOvr>
+  <mc:AlternateContent xmlns:mc="http://schemas.openxmlformats.org/markup-compatibility/2006" xmlns:p14="http://schemas.microsoft.com/office/powerpoint/2010/main">
+    <mc:Choice Requires="p14">
+      <p:transition spd="med" p14:dur="700">
+        <p:fade/>
+      </p:transition>
+    </mc:Choice>
+    <mc:Fallback xmlns="">
+      <p:transition spd="med">
+        <p:fade/>
+      </p:transition>
+    </mc:Fallback>
+  </mc:AlternateContent>
+</p:sld>
+</file>
+
+<file path=ppt/slides/slide7.xml><?xml version="1.0" encoding="utf-8"?>
+<p:sld xmlns:a="http://schemas.openxmlformats.org/drawingml/2006/main" xmlns:r="http://schemas.openxmlformats.org/officeDocument/2006/relationships" xmlns:p="http://schemas.openxmlformats.org/presentationml/2006/main">
+  <p:cSld>
+    <p:spTree>
+      <p:nvGrpSpPr>
+        <p:cNvPr id="1" name=""/>
+        <p:cNvGrpSpPr/>
+        <p:nvPr/>
+      </p:nvGrpSpPr>
+      <p:grpSpPr>
+        <a:xfrm>
+          <a:off x="0" y="0"/>
+          <a:ext cx="0" cy="0"/>
+          <a:chOff x="0" y="0"/>
+          <a:chExt cx="0" cy="0"/>
+        </a:xfrm>
+      </p:grpSpPr>
+      <p:sp>
+        <p:nvSpPr>
+          <p:cNvPr id="2" name="Title 1">
+            <a:extLst>
+              <a:ext uri="{FF2B5EF4-FFF2-40B4-BE49-F238E27FC236}">
+                <a16:creationId xmlns:a16="http://schemas.microsoft.com/office/drawing/2014/main" id="{6E2E3EB6-A04D-419F-99C2-CDAAFE05BE11}"/>
+              </a:ext>
+            </a:extLst>
+          </p:cNvPr>
+          <p:cNvSpPr>
+            <a:spLocks noGrp="1"/>
+          </p:cNvSpPr>
+          <p:nvPr>
+            <p:ph type="title"/>
+          </p:nvPr>
+        </p:nvSpPr>
+        <p:spPr/>
+        <p:txBody>
+          <a:bodyPr/>
+          <a:lstStyle/>
+          <a:p>
+            <a:r>
+              <a:rPr lang="en-US" dirty="0"/>
+              <a:t>Client &amp; Server</a:t>
+            </a:r>
+          </a:p>
+        </p:txBody>
+      </p:sp>
+      <p:pic>
+        <p:nvPicPr>
+          <p:cNvPr id="4" name="Content Placeholder 3">
+            <a:extLst>
+              <a:ext uri="{FF2B5EF4-FFF2-40B4-BE49-F238E27FC236}">
+                <a16:creationId xmlns:a16="http://schemas.microsoft.com/office/drawing/2014/main" id="{B2BA1162-EAA2-418A-B094-BB0409173B4B}"/>
+              </a:ext>
+            </a:extLst>
+          </p:cNvPr>
+          <p:cNvPicPr>
+            <a:picLocks noGrp="1" noChangeAspect="1"/>
+          </p:cNvPicPr>
+          <p:nvPr>
+            <p:ph idx="1"/>
+          </p:nvPr>
+        </p:nvPicPr>
+        <p:blipFill>
+          <a:blip r:embed="rId2"/>
+          <a:stretch>
+            <a:fillRect/>
+          </a:stretch>
+        </p:blipFill>
+        <p:spPr>
+          <a:xfrm>
+            <a:off x="260692" y="2418347"/>
+            <a:ext cx="6137351" cy="3266491"/>
+          </a:xfrm>
+          <a:prstGeom prst="rect">
+            <a:avLst/>
+          </a:prstGeom>
+        </p:spPr>
+      </p:pic>
+      <p:pic>
+        <p:nvPicPr>
+          <p:cNvPr id="6" name="Picture 5">
+            <a:extLst>
+              <a:ext uri="{FF2B5EF4-FFF2-40B4-BE49-F238E27FC236}">
+                <a16:creationId xmlns:a16="http://schemas.microsoft.com/office/drawing/2014/main" id="{E3CAF14E-F8C6-4DA7-BC3D-2E893A793ABF}"/>
+              </a:ext>
+            </a:extLst>
+          </p:cNvPr>
+          <p:cNvPicPr>
+            <a:picLocks noChangeAspect="1"/>
+          </p:cNvPicPr>
+          <p:nvPr/>
+        </p:nvPicPr>
+        <p:blipFill>
+          <a:blip r:embed="rId3"/>
+          <a:stretch>
+            <a:fillRect/>
+          </a:stretch>
+        </p:blipFill>
+        <p:spPr>
+          <a:xfrm>
+            <a:off x="6596596" y="2286000"/>
+            <a:ext cx="5174268" cy="3516191"/>
+          </a:xfrm>
+          <a:prstGeom prst="rect">
+            <a:avLst/>
+          </a:prstGeom>
+        </p:spPr>
+      </p:pic>
+    </p:spTree>
+    <p:extLst>
+      <p:ext uri="{BB962C8B-B14F-4D97-AF65-F5344CB8AC3E}">
+        <p14:creationId xmlns:p14="http://schemas.microsoft.com/office/powerpoint/2010/main" val="1701081696"/>
+      </p:ext>
+    </p:extLst>
+  </p:cSld>
+  <p:clrMapOvr>
+    <a:masterClrMapping/>
+  </p:clrMapOvr>
+  <mc:AlternateContent xmlns:mc="http://schemas.openxmlformats.org/markup-compatibility/2006" xmlns:p14="http://schemas.microsoft.com/office/powerpoint/2010/main">
+    <mc:Choice Requires="p14">
+      <p:transition spd="med" p14:dur="700">
+        <p:fade/>
+      </p:transition>
+    </mc:Choice>
+    <mc:Fallback xmlns="">
+      <p:transition spd="med">
+        <p:fade/>
+      </p:transition>
+    </mc:Fallback>
+  </mc:AlternateContent>
+</p:sld>
+</file>
+
+<file path=ppt/slides/slide8.xml><?xml version="1.0" encoding="utf-8"?>
+<p:sld xmlns:a="http://schemas.openxmlformats.org/drawingml/2006/main" xmlns:r="http://schemas.openxmlformats.org/officeDocument/2006/relationships" xmlns:p="http://schemas.openxmlformats.org/presentationml/2006/main">
+  <p:cSld>
+    <p:spTree>
+      <p:nvGrpSpPr>
+        <p:cNvPr id="1" name=""/>
+        <p:cNvGrpSpPr/>
+        <p:nvPr/>
+      </p:nvGrpSpPr>
+      <p:grpSpPr>
+        <a:xfrm>
+          <a:off x="0" y="0"/>
+          <a:ext cx="0" cy="0"/>
+          <a:chOff x="0" y="0"/>
+          <a:chExt cx="0" cy="0"/>
+        </a:xfrm>
+      </p:grpSpPr>
+      <p:sp>
+        <p:nvSpPr>
+          <p:cNvPr id="2" name="Title 1">
+            <a:extLst>
+              <a:ext uri="{FF2B5EF4-FFF2-40B4-BE49-F238E27FC236}">
+                <a16:creationId xmlns:a16="http://schemas.microsoft.com/office/drawing/2014/main" id="{BD26D517-0EFE-4A4D-98A0-54A746B5DA26}"/>
+              </a:ext>
+            </a:extLst>
+          </p:cNvPr>
+          <p:cNvSpPr>
+            <a:spLocks noGrp="1"/>
+          </p:cNvSpPr>
+          <p:nvPr>
+            <p:ph type="title"/>
+          </p:nvPr>
+        </p:nvSpPr>
+        <p:spPr/>
+        <p:txBody>
+          <a:bodyPr/>
+          <a:lstStyle/>
+          <a:p>
+            <a:r>
+              <a:rPr lang="en-US" dirty="0"/>
+              <a:t>Controller</a:t>
+            </a:r>
+          </a:p>
+        </p:txBody>
+      </p:sp>
+      <p:pic>
+        <p:nvPicPr>
+          <p:cNvPr id="4" name="Content Placeholder 3">
+            <a:extLst>
+              <a:ext uri="{FF2B5EF4-FFF2-40B4-BE49-F238E27FC236}">
+                <a16:creationId xmlns:a16="http://schemas.microsoft.com/office/drawing/2014/main" id="{819F7670-432D-45E8-B7EE-FF544E4E199B}"/>
+              </a:ext>
+            </a:extLst>
+          </p:cNvPr>
+          <p:cNvPicPr>
+            <a:picLocks noGrp="1" noChangeAspect="1"/>
+          </p:cNvPicPr>
+          <p:nvPr>
+            <p:ph idx="1"/>
+          </p:nvPr>
+        </p:nvPicPr>
+        <p:blipFill>
+          <a:blip r:embed="rId2"/>
+          <a:stretch>
+            <a:fillRect/>
+          </a:stretch>
+        </p:blipFill>
+        <p:spPr>
+          <a:xfrm>
+            <a:off x="4091706" y="1719263"/>
+            <a:ext cx="4043512" cy="4406900"/>
+          </a:xfrm>
+          <a:prstGeom prst="rect">
+            <a:avLst/>
+          </a:prstGeom>
+        </p:spPr>
+      </p:pic>
+    </p:spTree>
+    <p:extLst>
+      <p:ext uri="{BB962C8B-B14F-4D97-AF65-F5344CB8AC3E}">
+        <p14:creationId xmlns:p14="http://schemas.microsoft.com/office/powerpoint/2010/main" val="2967857647"/>
+      </p:ext>
+    </p:extLst>
+  </p:cSld>
+  <p:clrMapOvr>
+    <a:masterClrMapping/>
+  </p:clrMapOvr>
+  <mc:AlternateContent xmlns:mc="http://schemas.openxmlformats.org/markup-compatibility/2006" xmlns:p14="http://schemas.microsoft.com/office/powerpoint/2010/main">
+    <mc:Choice Requires="p14">
+      <p:transition spd="med" p14:dur="700">
+        <p:fade/>
+      </p:transition>
+    </mc:Choice>
+    <mc:Fallback xmlns="">
+      <p:transition spd="med">
+        <p:fade/>
+      </p:transition>
+    </mc:Fallback>
+  </mc:AlternateContent>
+</p:sld>
+</file>
+
+<file path=ppt/slides/slide9.xml><?xml version="1.0" encoding="utf-8"?>
+<p:sld xmlns:a="http://schemas.openxmlformats.org/drawingml/2006/main" xmlns:r="http://schemas.openxmlformats.org/officeDocument/2006/relationships" xmlns:p="http://schemas.openxmlformats.org/presentationml/2006/main">
+  <p:cSld>
+    <p:spTree>
+      <p:nvGrpSpPr>
+        <p:cNvPr id="1" name=""/>
+        <p:cNvGrpSpPr/>
+        <p:nvPr/>
+      </p:nvGrpSpPr>
+      <p:grpSpPr>
+        <a:xfrm>
+          <a:off x="0" y="0"/>
+          <a:ext cx="0" cy="0"/>
+          <a:chOff x="0" y="0"/>
+          <a:chExt cx="0" cy="0"/>
+        </a:xfrm>
+      </p:grpSpPr>
+      <p:sp>
+        <p:nvSpPr>
+          <p:cNvPr id="2" name="Title 1">
+            <a:extLst>
+              <a:ext uri="{FF2B5EF4-FFF2-40B4-BE49-F238E27FC236}">
+                <a16:creationId xmlns:a16="http://schemas.microsoft.com/office/drawing/2014/main" id="{A3A2AD15-9B79-4B41-A397-F5540D7E9324}"/>
+              </a:ext>
+            </a:extLst>
+          </p:cNvPr>
+          <p:cNvSpPr>
+            <a:spLocks noGrp="1"/>
+          </p:cNvSpPr>
+          <p:nvPr>
+            <p:ph type="title"/>
+          </p:nvPr>
+        </p:nvSpPr>
+        <p:spPr/>
+        <p:txBody>
+          <a:bodyPr/>
+          <a:lstStyle/>
+          <a:p>
+            <a:r>
+              <a:rPr lang="en-US" dirty="0"/>
+              <a:t>Refactoring and Design pattern list</a:t>
+            </a:r>
+          </a:p>
+        </p:txBody>
+      </p:sp>
+      <p:sp>
+        <p:nvSpPr>
+          <p:cNvPr id="3" name="Content Placeholder 2">
+            <a:extLst>
+              <a:ext uri="{FF2B5EF4-FFF2-40B4-BE49-F238E27FC236}">
+                <a16:creationId xmlns:a16="http://schemas.microsoft.com/office/drawing/2014/main" id="{3C438540-EF4F-4AD6-96A0-476B64F74730}"/>
+              </a:ext>
+            </a:extLst>
+          </p:cNvPr>
+          <p:cNvSpPr>
+            <a:spLocks noGrp="1"/>
+          </p:cNvSpPr>
+          <p:nvPr>
+            <p:ph idx="1"/>
+          </p:nvPr>
+        </p:nvSpPr>
+        <p:spPr/>
+        <p:txBody>
+          <a:bodyPr/>
+          <a:lstStyle/>
+          <a:p>
+            <a:endParaRPr lang="en-US"/>
+          </a:p>
+        </p:txBody>
+      </p:sp>
+    </p:spTree>
+    <p:extLst>
+      <p:ext uri="{BB962C8B-B14F-4D97-AF65-F5344CB8AC3E}">
+        <p14:creationId xmlns:p14="http://schemas.microsoft.com/office/powerpoint/2010/main" val="2295330270"/>
       </p:ext>
     </p:extLst>
   </p:cSld>

--- a/Presentation 4/Presentation.pptx
+++ b/Presentation 4/Presentation.pptx
@@ -5,10 +5,10 @@
     <p:sldMasterId id="2147483672" r:id="rId1"/>
   </p:sldMasterIdLst>
   <p:notesMasterIdLst>
-    <p:notesMasterId r:id="rId12"/>
+    <p:notesMasterId r:id="rId13"/>
   </p:notesMasterIdLst>
   <p:handoutMasterIdLst>
-    <p:handoutMasterId r:id="rId13"/>
+    <p:handoutMasterId r:id="rId14"/>
   </p:handoutMasterIdLst>
   <p:sldIdLst>
     <p:sldId id="282" r:id="rId2"/>
@@ -21,6 +21,7 @@
     <p:sldId id="289" r:id="rId9"/>
     <p:sldId id="287" r:id="rId10"/>
     <p:sldId id="284" r:id="rId11"/>
+    <p:sldId id="292" r:id="rId12"/>
   </p:sldIdLst>
   <p:sldSz cx="12192000" cy="6858000"/>
   <p:notesSz cx="6858000" cy="9144000"/>
@@ -227,7 +228,7 @@
           <a:p>
             <a:fld id="{5627325D-7C6B-4659-A656-A772019985A7}" type="datetimeFigureOut">
               <a:rPr lang="en-US" smtClean="0"/>
-              <a:t>11/12/2017</a:t>
+              <a:t>11/13/2017</a:t>
             </a:fld>
             <a:endParaRPr lang="en-US" dirty="0"/>
           </a:p>
@@ -392,7 +393,7 @@
           <a:p>
             <a:fld id="{D75FD80F-0FDC-4A05-9EF1-C028EC4EDC0A}" type="datetimeFigureOut">
               <a:rPr lang="en-US" smtClean="0"/>
-              <a:t>11/12/2017</a:t>
+              <a:t>11/13/2017</a:t>
             </a:fld>
             <a:endParaRPr lang="en-US" dirty="0"/>
           </a:p>
@@ -950,7 +951,7 @@
             <a:fld id="{349BF3EA-1A78-4F07-BDC0-C8A1BD461199}" type="datetimeFigureOut">
               <a:rPr lang="en-US" smtClean="0"/>
               <a:pPr/>
-              <a:t>11/12/2017</a:t>
+              <a:t>11/13/2017</a:t>
             </a:fld>
             <a:endParaRPr lang="en-US" dirty="0"/>
           </a:p>
@@ -1154,7 +1155,7 @@
           <a:p>
             <a:fld id="{349BF3EA-1A78-4F07-BDC0-C8A1BD461199}" type="datetimeFigureOut">
               <a:rPr lang="en-US" smtClean="0"/>
-              <a:t>11/12/2017</a:t>
+              <a:t>11/13/2017</a:t>
             </a:fld>
             <a:endParaRPr lang="en-US" dirty="0"/>
           </a:p>
@@ -1441,7 +1442,7 @@
           <a:p>
             <a:fld id="{349BF3EA-1A78-4F07-BDC0-C8A1BD461199}" type="datetimeFigureOut">
               <a:rPr lang="en-US" smtClean="0"/>
-              <a:t>11/12/2017</a:t>
+              <a:t>11/13/2017</a:t>
             </a:fld>
             <a:endParaRPr lang="en-US" dirty="0"/>
           </a:p>
@@ -1641,7 +1642,7 @@
           <a:p>
             <a:fld id="{349BF3EA-1A78-4F07-BDC0-C8A1BD461199}" type="datetimeFigureOut">
               <a:rPr lang="en-US" smtClean="0"/>
-              <a:t>11/12/2017</a:t>
+              <a:t>11/13/2017</a:t>
             </a:fld>
             <a:endParaRPr lang="en-US" dirty="0"/>
           </a:p>
@@ -2005,7 +2006,7 @@
           <a:p>
             <a:fld id="{349BF3EA-1A78-4F07-BDC0-C8A1BD461199}" type="datetimeFigureOut">
               <a:rPr lang="en-US" smtClean="0"/>
-              <a:t>11/12/2017</a:t>
+              <a:t>11/13/2017</a:t>
             </a:fld>
             <a:endParaRPr lang="en-US" dirty="0"/>
           </a:p>
@@ -2327,7 +2328,7 @@
           <a:p>
             <a:fld id="{349BF3EA-1A78-4F07-BDC0-C8A1BD461199}" type="datetimeFigureOut">
               <a:rPr lang="en-US" smtClean="0"/>
-              <a:t>11/12/2017</a:t>
+              <a:t>11/13/2017</a:t>
             </a:fld>
             <a:endParaRPr lang="en-US" dirty="0"/>
           </a:p>
@@ -2771,7 +2772,7 @@
           <a:p>
             <a:fld id="{349BF3EA-1A78-4F07-BDC0-C8A1BD461199}" type="datetimeFigureOut">
               <a:rPr lang="en-US" smtClean="0"/>
-              <a:t>11/12/2017</a:t>
+              <a:t>11/13/2017</a:t>
             </a:fld>
             <a:endParaRPr lang="en-US" dirty="0"/>
           </a:p>
@@ -2903,7 +2904,7 @@
           <a:p>
             <a:fld id="{349BF3EA-1A78-4F07-BDC0-C8A1BD461199}" type="datetimeFigureOut">
               <a:rPr lang="en-US" smtClean="0"/>
-              <a:t>11/12/2017</a:t>
+              <a:t>11/13/2017</a:t>
             </a:fld>
             <a:endParaRPr lang="en-US" dirty="0"/>
           </a:p>
@@ -3059,7 +3060,7 @@
           <a:p>
             <a:fld id="{349BF3EA-1A78-4F07-BDC0-C8A1BD461199}" type="datetimeFigureOut">
               <a:rPr lang="en-US" smtClean="0"/>
-              <a:t>11/12/2017</a:t>
+              <a:t>11/13/2017</a:t>
             </a:fld>
             <a:endParaRPr lang="en-US" dirty="0"/>
           </a:p>
@@ -3496,7 +3497,7 @@
           <a:p>
             <a:fld id="{349BF3EA-1A78-4F07-BDC0-C8A1BD461199}" type="datetimeFigureOut">
               <a:rPr lang="en-US" smtClean="0"/>
-              <a:t>11/12/2017</a:t>
+              <a:t>11/13/2017</a:t>
             </a:fld>
             <a:endParaRPr lang="en-US" dirty="0"/>
           </a:p>
@@ -3903,7 +3904,7 @@
             <a:fld id="{349BF3EA-1A78-4F07-BDC0-C8A1BD461199}" type="datetimeFigureOut">
               <a:rPr lang="en-US" smtClean="0"/>
               <a:pPr/>
-              <a:t>11/12/2017</a:t>
+              <a:t>11/13/2017</a:t>
             </a:fld>
             <a:endParaRPr lang="en-US" dirty="0"/>
           </a:p>
@@ -4247,7 +4248,7 @@
             <a:fld id="{349BF3EA-1A78-4F07-BDC0-C8A1BD461199}" type="datetimeFigureOut">
               <a:rPr lang="en-US" smtClean="0"/>
               <a:pPr/>
-              <a:t>11/12/2017</a:t>
+              <a:t>11/13/2017</a:t>
             </a:fld>
             <a:endParaRPr lang="en-US" dirty="0"/>
           </a:p>
@@ -4895,7 +4896,7 @@
           <a:graphicData uri="http://schemas.openxmlformats.org/presentationml/2006/ole">
             <mc:AlternateContent xmlns:mc="http://schemas.openxmlformats.org/markup-compatibility/2006">
               <mc:Choice xmlns:v="urn:schemas-microsoft-com:vml" Requires="v">
-                <p:oleObj spid="_x0000_s1035" name="Worksheet" r:id="rId3" imgW="8924969" imgH="1914761" progId="Excel.Sheet.12">
+                <p:oleObj spid="_x0000_s1038" name="Worksheet" r:id="rId3" imgW="8924969" imgH="1914761" progId="Excel.Sheet.12">
                   <p:embed/>
                 </p:oleObj>
               </mc:Choice>
@@ -4934,6 +4935,101 @@
     <p:extLst>
       <p:ext uri="{BB962C8B-B14F-4D97-AF65-F5344CB8AC3E}">
         <p14:creationId xmlns:p14="http://schemas.microsoft.com/office/powerpoint/2010/main" val="1981077734"/>
+      </p:ext>
+    </p:extLst>
+  </p:cSld>
+  <p:clrMapOvr>
+    <a:masterClrMapping/>
+  </p:clrMapOvr>
+  <mc:AlternateContent xmlns:mc="http://schemas.openxmlformats.org/markup-compatibility/2006" xmlns:p14="http://schemas.microsoft.com/office/powerpoint/2010/main">
+    <mc:Choice Requires="p14">
+      <p:transition spd="med" p14:dur="700">
+        <p:fade/>
+      </p:transition>
+    </mc:Choice>
+    <mc:Fallback xmlns="">
+      <p:transition spd="med">
+        <p:fade/>
+      </p:transition>
+    </mc:Fallback>
+  </mc:AlternateContent>
+</p:sld>
+</file>
+
+<file path=ppt/slides/slide11.xml><?xml version="1.0" encoding="utf-8"?>
+<p:sld xmlns:a="http://schemas.openxmlformats.org/drawingml/2006/main" xmlns:r="http://schemas.openxmlformats.org/officeDocument/2006/relationships" xmlns:p="http://schemas.openxmlformats.org/presentationml/2006/main">
+  <p:cSld>
+    <p:spTree>
+      <p:nvGrpSpPr>
+        <p:cNvPr id="1" name=""/>
+        <p:cNvGrpSpPr/>
+        <p:nvPr/>
+      </p:nvGrpSpPr>
+      <p:grpSpPr>
+        <a:xfrm>
+          <a:off x="0" y="0"/>
+          <a:ext cx="0" cy="0"/>
+          <a:chOff x="0" y="0"/>
+          <a:chExt cx="0" cy="0"/>
+        </a:xfrm>
+      </p:grpSpPr>
+      <p:sp>
+        <p:nvSpPr>
+          <p:cNvPr id="2" name="Title 1">
+            <a:extLst>
+              <a:ext uri="{FF2B5EF4-FFF2-40B4-BE49-F238E27FC236}">
+                <a16:creationId xmlns:a16="http://schemas.microsoft.com/office/drawing/2014/main" id="{C81AC52F-AC76-4005-87F4-13AAB107D883}"/>
+              </a:ext>
+            </a:extLst>
+          </p:cNvPr>
+          <p:cNvSpPr>
+            <a:spLocks noGrp="1"/>
+          </p:cNvSpPr>
+          <p:nvPr>
+            <p:ph type="title"/>
+          </p:nvPr>
+        </p:nvSpPr>
+        <p:spPr/>
+        <p:txBody>
+          <a:bodyPr/>
+          <a:lstStyle/>
+          <a:p>
+            <a:r>
+              <a:rPr lang="en-US" dirty="0"/>
+              <a:t>DEMO</a:t>
+            </a:r>
+          </a:p>
+        </p:txBody>
+      </p:sp>
+      <p:sp>
+        <p:nvSpPr>
+          <p:cNvPr id="3" name="Content Placeholder 2">
+            <a:extLst>
+              <a:ext uri="{FF2B5EF4-FFF2-40B4-BE49-F238E27FC236}">
+                <a16:creationId xmlns:a16="http://schemas.microsoft.com/office/drawing/2014/main" id="{5B45242C-96E8-4127-96D9-66BACA6EB083}"/>
+              </a:ext>
+            </a:extLst>
+          </p:cNvPr>
+          <p:cNvSpPr>
+            <a:spLocks noGrp="1"/>
+          </p:cNvSpPr>
+          <p:nvPr>
+            <p:ph idx="1"/>
+          </p:nvPr>
+        </p:nvSpPr>
+        <p:spPr/>
+        <p:txBody>
+          <a:bodyPr/>
+          <a:lstStyle/>
+          <a:p>
+            <a:endParaRPr lang="en-US"/>
+          </a:p>
+        </p:txBody>
+      </p:sp>
+    </p:spTree>
+    <p:extLst>
+      <p:ext uri="{BB962C8B-B14F-4D97-AF65-F5344CB8AC3E}">
+        <p14:creationId xmlns:p14="http://schemas.microsoft.com/office/powerpoint/2010/main" val="2748433905"/>
       </p:ext>
     </p:extLst>
   </p:cSld>
@@ -5748,7 +5844,43 @@
           <a:bodyPr/>
           <a:lstStyle/>
           <a:p>
-            <a:endParaRPr lang="en-US"/>
+            <a:r>
+              <a:rPr lang="en-US" dirty="0"/>
+              <a:t>Separated classes into Model-View-Controller packages</a:t>
+            </a:r>
+            <a:br>
+              <a:rPr lang="en-US" dirty="0"/>
+            </a:br>
+            <a:endParaRPr lang="en-US" dirty="0"/>
+          </a:p>
+          <a:p>
+            <a:r>
+              <a:rPr lang="en-US" dirty="0"/>
+              <a:t>Implemented Façade Pattern by creating a few other packages</a:t>
+            </a:r>
+            <a:br>
+              <a:rPr lang="en-US" dirty="0"/>
+            </a:br>
+            <a:endParaRPr lang="en-US" dirty="0"/>
+          </a:p>
+          <a:p>
+            <a:r>
+              <a:rPr lang="en-US" dirty="0"/>
+              <a:t>Used Extraction to reduce reuse of code within classes</a:t>
+            </a:r>
+            <a:br>
+              <a:rPr lang="en-US" dirty="0"/>
+            </a:br>
+            <a:endParaRPr lang="en-US" dirty="0"/>
+          </a:p>
+          <a:p>
+            <a:r>
+              <a:rPr lang="en-US" dirty="0"/>
+              <a:t>Rearranged classes to have Low Coupling</a:t>
+            </a:r>
+          </a:p>
+          <a:p>
+            <a:endParaRPr lang="en-US" dirty="0"/>
           </a:p>
         </p:txBody>
       </p:sp>

--- a/Presentation 4/Presentation.pptx
+++ b/Presentation 4/Presentation.pptx
@@ -5,23 +5,24 @@
     <p:sldMasterId id="2147483672" r:id="rId1"/>
   </p:sldMasterIdLst>
   <p:notesMasterIdLst>
-    <p:notesMasterId r:id="rId13"/>
+    <p:notesMasterId r:id="rId14"/>
   </p:notesMasterIdLst>
   <p:handoutMasterIdLst>
-    <p:handoutMasterId r:id="rId14"/>
+    <p:handoutMasterId r:id="rId15"/>
   </p:handoutMasterIdLst>
   <p:sldIdLst>
     <p:sldId id="282" r:id="rId2"/>
     <p:sldId id="283" r:id="rId3"/>
     <p:sldId id="286" r:id="rId4"/>
-    <p:sldId id="285" r:id="rId5"/>
-    <p:sldId id="290" r:id="rId6"/>
-    <p:sldId id="291" r:id="rId7"/>
-    <p:sldId id="288" r:id="rId8"/>
-    <p:sldId id="289" r:id="rId9"/>
-    <p:sldId id="287" r:id="rId10"/>
-    <p:sldId id="284" r:id="rId11"/>
-    <p:sldId id="292" r:id="rId12"/>
+    <p:sldId id="293" r:id="rId5"/>
+    <p:sldId id="285" r:id="rId6"/>
+    <p:sldId id="290" r:id="rId7"/>
+    <p:sldId id="291" r:id="rId8"/>
+    <p:sldId id="288" r:id="rId9"/>
+    <p:sldId id="289" r:id="rId10"/>
+    <p:sldId id="287" r:id="rId11"/>
+    <p:sldId id="284" r:id="rId12"/>
+    <p:sldId id="292" r:id="rId13"/>
   </p:sldIdLst>
   <p:sldSz cx="12192000" cy="6858000"/>
   <p:notesSz cx="6858000" cy="9144000"/>
@@ -4844,6 +4845,137 @@
           <p:cNvPr id="2" name="Title 1">
             <a:extLst>
               <a:ext uri="{FF2B5EF4-FFF2-40B4-BE49-F238E27FC236}">
+                <a16:creationId xmlns:a16="http://schemas.microsoft.com/office/drawing/2014/main" id="{A3A2AD15-9B79-4B41-A397-F5540D7E9324}"/>
+              </a:ext>
+            </a:extLst>
+          </p:cNvPr>
+          <p:cNvSpPr>
+            <a:spLocks noGrp="1"/>
+          </p:cNvSpPr>
+          <p:nvPr>
+            <p:ph type="title"/>
+          </p:nvPr>
+        </p:nvSpPr>
+        <p:spPr/>
+        <p:txBody>
+          <a:bodyPr/>
+          <a:lstStyle/>
+          <a:p>
+            <a:r>
+              <a:rPr lang="en-US" dirty="0"/>
+              <a:t>Refactoring and Design pattern list</a:t>
+            </a:r>
+          </a:p>
+        </p:txBody>
+      </p:sp>
+      <p:sp>
+        <p:nvSpPr>
+          <p:cNvPr id="3" name="Content Placeholder 2">
+            <a:extLst>
+              <a:ext uri="{FF2B5EF4-FFF2-40B4-BE49-F238E27FC236}">
+                <a16:creationId xmlns:a16="http://schemas.microsoft.com/office/drawing/2014/main" id="{3C438540-EF4F-4AD6-96A0-476B64F74730}"/>
+              </a:ext>
+            </a:extLst>
+          </p:cNvPr>
+          <p:cNvSpPr>
+            <a:spLocks noGrp="1"/>
+          </p:cNvSpPr>
+          <p:nvPr>
+            <p:ph idx="1"/>
+          </p:nvPr>
+        </p:nvSpPr>
+        <p:spPr/>
+        <p:txBody>
+          <a:bodyPr/>
+          <a:lstStyle/>
+          <a:p>
+            <a:r>
+              <a:rPr lang="en-US" dirty="0"/>
+              <a:t>Separated classes into Model-View-Controller packages</a:t>
+            </a:r>
+            <a:br>
+              <a:rPr lang="en-US" dirty="0"/>
+            </a:br>
+            <a:endParaRPr lang="en-US" dirty="0"/>
+          </a:p>
+          <a:p>
+            <a:r>
+              <a:rPr lang="en-US" dirty="0"/>
+              <a:t>Implemented Façade Pattern by creating a few other packages</a:t>
+            </a:r>
+            <a:br>
+              <a:rPr lang="en-US" dirty="0"/>
+            </a:br>
+            <a:endParaRPr lang="en-US" dirty="0"/>
+          </a:p>
+          <a:p>
+            <a:r>
+              <a:rPr lang="en-US" dirty="0"/>
+              <a:t>Used Extraction to reduce reuse of code within classes</a:t>
+            </a:r>
+            <a:br>
+              <a:rPr lang="en-US" dirty="0"/>
+            </a:br>
+            <a:endParaRPr lang="en-US" dirty="0"/>
+          </a:p>
+          <a:p>
+            <a:r>
+              <a:rPr lang="en-US" dirty="0"/>
+              <a:t>Rearranged classes to have Low Coupling</a:t>
+            </a:r>
+          </a:p>
+          <a:p>
+            <a:endParaRPr lang="en-US" dirty="0"/>
+          </a:p>
+        </p:txBody>
+      </p:sp>
+    </p:spTree>
+    <p:extLst>
+      <p:ext uri="{BB962C8B-B14F-4D97-AF65-F5344CB8AC3E}">
+        <p14:creationId xmlns:p14="http://schemas.microsoft.com/office/powerpoint/2010/main" val="2295330270"/>
+      </p:ext>
+    </p:extLst>
+  </p:cSld>
+  <p:clrMapOvr>
+    <a:masterClrMapping/>
+  </p:clrMapOvr>
+  <mc:AlternateContent xmlns:mc="http://schemas.openxmlformats.org/markup-compatibility/2006" xmlns:p14="http://schemas.microsoft.com/office/powerpoint/2010/main">
+    <mc:Choice Requires="p14">
+      <p:transition spd="med" p14:dur="700">
+        <p:fade/>
+      </p:transition>
+    </mc:Choice>
+    <mc:Fallback xmlns="">
+      <p:transition spd="med">
+        <p:fade/>
+      </p:transition>
+    </mc:Fallback>
+  </mc:AlternateContent>
+</p:sld>
+</file>
+
+<file path=ppt/slides/slide11.xml><?xml version="1.0" encoding="utf-8"?>
+<p:sld xmlns:a="http://schemas.openxmlformats.org/drawingml/2006/main" xmlns:r="http://schemas.openxmlformats.org/officeDocument/2006/relationships" xmlns:p="http://schemas.openxmlformats.org/presentationml/2006/main">
+  <p:cSld>
+    <p:spTree>
+      <p:nvGrpSpPr>
+        <p:cNvPr id="1" name=""/>
+        <p:cNvGrpSpPr/>
+        <p:nvPr/>
+      </p:nvGrpSpPr>
+      <p:grpSpPr>
+        <a:xfrm>
+          <a:off x="0" y="0"/>
+          <a:ext cx="0" cy="0"/>
+          <a:chOff x="0" y="0"/>
+          <a:chExt cx="0" cy="0"/>
+        </a:xfrm>
+      </p:grpSpPr>
+      <p:sp>
+        <p:nvSpPr>
+          <p:cNvPr id="2" name="Title 1">
+            <a:extLst>
+              <a:ext uri="{FF2B5EF4-FFF2-40B4-BE49-F238E27FC236}">
                 <a16:creationId xmlns:a16="http://schemas.microsoft.com/office/drawing/2014/main" id="{E4629657-9629-4C65-8E96-6711F600A504}"/>
               </a:ext>
             </a:extLst>
@@ -4896,7 +5028,7 @@
           <a:graphicData uri="http://schemas.openxmlformats.org/presentationml/2006/ole">
             <mc:AlternateContent xmlns:mc="http://schemas.openxmlformats.org/markup-compatibility/2006">
               <mc:Choice xmlns:v="urn:schemas-microsoft-com:vml" Requires="v">
-                <p:oleObj spid="_x0000_s1038" name="Worksheet" r:id="rId3" imgW="8924969" imgH="1914761" progId="Excel.Sheet.12">
+                <p:oleObj spid="_x0000_s1040" name="Worksheet" r:id="rId3" imgW="8924969" imgH="1914761" progId="Excel.Sheet.12">
                   <p:embed/>
                 </p:oleObj>
               </mc:Choice>
@@ -4956,7 +5088,7 @@
 </p:sld>
 </file>
 
-<file path=ppt/slides/slide11.xml><?xml version="1.0" encoding="utf-8"?>
+<file path=ppt/slides/slide12.xml><?xml version="1.0" encoding="utf-8"?>
 <p:sld xmlns:a="http://schemas.openxmlformats.org/drawingml/2006/main" xmlns:r="http://schemas.openxmlformats.org/officeDocument/2006/relationships" xmlns:p="http://schemas.openxmlformats.org/presentationml/2006/main">
   <p:cSld>
     <p:spTree>
@@ -5283,6 +5415,101 @@
           <p:cNvPr id="2" name="Title 1">
             <a:extLst>
               <a:ext uri="{FF2B5EF4-FFF2-40B4-BE49-F238E27FC236}">
+                <a16:creationId xmlns:a16="http://schemas.microsoft.com/office/drawing/2014/main" id="{74AA4F54-C236-4D7E-8D3F-AC3FFC045AF3}"/>
+              </a:ext>
+            </a:extLst>
+          </p:cNvPr>
+          <p:cNvSpPr>
+            <a:spLocks noGrp="1"/>
+          </p:cNvSpPr>
+          <p:nvPr>
+            <p:ph type="title"/>
+          </p:nvPr>
+        </p:nvSpPr>
+        <p:spPr/>
+        <p:txBody>
+          <a:bodyPr/>
+          <a:lstStyle/>
+          <a:p>
+            <a:r>
+              <a:rPr lang="en-US" dirty="0"/>
+              <a:t>Updated sequence diagrams</a:t>
+            </a:r>
+          </a:p>
+        </p:txBody>
+      </p:sp>
+      <p:sp>
+        <p:nvSpPr>
+          <p:cNvPr id="3" name="Content Placeholder 2">
+            <a:extLst>
+              <a:ext uri="{FF2B5EF4-FFF2-40B4-BE49-F238E27FC236}">
+                <a16:creationId xmlns:a16="http://schemas.microsoft.com/office/drawing/2014/main" id="{E4014106-A769-4B38-9AFC-87231233220D}"/>
+              </a:ext>
+            </a:extLst>
+          </p:cNvPr>
+          <p:cNvSpPr>
+            <a:spLocks noGrp="1"/>
+          </p:cNvSpPr>
+          <p:nvPr>
+            <p:ph idx="1"/>
+          </p:nvPr>
+        </p:nvSpPr>
+        <p:spPr/>
+        <p:txBody>
+          <a:bodyPr/>
+          <a:lstStyle/>
+          <a:p>
+            <a:endParaRPr lang="en-US"/>
+          </a:p>
+        </p:txBody>
+      </p:sp>
+    </p:spTree>
+    <p:extLst>
+      <p:ext uri="{BB962C8B-B14F-4D97-AF65-F5344CB8AC3E}">
+        <p14:creationId xmlns:p14="http://schemas.microsoft.com/office/powerpoint/2010/main" val="3159672936"/>
+      </p:ext>
+    </p:extLst>
+  </p:cSld>
+  <p:clrMapOvr>
+    <a:masterClrMapping/>
+  </p:clrMapOvr>
+  <mc:AlternateContent xmlns:mc="http://schemas.openxmlformats.org/markup-compatibility/2006" xmlns:p14="http://schemas.microsoft.com/office/powerpoint/2010/main">
+    <mc:Choice Requires="p14">
+      <p:transition spd="med" p14:dur="700">
+        <p:fade/>
+      </p:transition>
+    </mc:Choice>
+    <mc:Fallback xmlns="">
+      <p:transition spd="med">
+        <p:fade/>
+      </p:transition>
+    </mc:Fallback>
+  </mc:AlternateContent>
+</p:sld>
+</file>
+
+<file path=ppt/slides/slide5.xml><?xml version="1.0" encoding="utf-8"?>
+<p:sld xmlns:a="http://schemas.openxmlformats.org/drawingml/2006/main" xmlns:r="http://schemas.openxmlformats.org/officeDocument/2006/relationships" xmlns:p="http://schemas.openxmlformats.org/presentationml/2006/main">
+  <p:cSld>
+    <p:spTree>
+      <p:nvGrpSpPr>
+        <p:cNvPr id="1" name=""/>
+        <p:cNvGrpSpPr/>
+        <p:nvPr/>
+      </p:nvGrpSpPr>
+      <p:grpSpPr>
+        <a:xfrm>
+          <a:off x="0" y="0"/>
+          <a:ext cx="0" cy="0"/>
+          <a:chOff x="0" y="0"/>
+          <a:chExt cx="0" cy="0"/>
+        </a:xfrm>
+      </p:grpSpPr>
+      <p:sp>
+        <p:nvSpPr>
+          <p:cNvPr id="2" name="Title 1">
+            <a:extLst>
+              <a:ext uri="{FF2B5EF4-FFF2-40B4-BE49-F238E27FC236}">
                 <a16:creationId xmlns:a16="http://schemas.microsoft.com/office/drawing/2014/main" id="{86902F4E-689D-468F-9AC3-8F6D7755ECF4}"/>
               </a:ext>
             </a:extLst>
@@ -5366,7 +5593,7 @@
 </p:sld>
 </file>
 
-<file path=ppt/slides/slide5.xml><?xml version="1.0" encoding="utf-8"?>
+<file path=ppt/slides/slide6.xml><?xml version="1.0" encoding="utf-8"?>
 <p:sld xmlns:a="http://schemas.openxmlformats.org/drawingml/2006/main" xmlns:r="http://schemas.openxmlformats.org/officeDocument/2006/relationships" xmlns:p="http://schemas.openxmlformats.org/presentationml/2006/main">
   <p:cSld>
     <p:spTree>
@@ -5440,7 +5667,7 @@
 </p:sld>
 </file>
 
-<file path=ppt/slides/slide6.xml><?xml version="1.0" encoding="utf-8"?>
+<file path=ppt/slides/slide7.xml><?xml version="1.0" encoding="utf-8"?>
 <p:sld xmlns:a="http://schemas.openxmlformats.org/drawingml/2006/main" xmlns:r="http://schemas.openxmlformats.org/officeDocument/2006/relationships" xmlns:p="http://schemas.openxmlformats.org/presentationml/2006/main">
   <p:cSld>
     <p:spTree>
@@ -5544,7 +5771,7 @@
 </p:sld>
 </file>
 
-<file path=ppt/slides/slide7.xml><?xml version="1.0" encoding="utf-8"?>
+<file path=ppt/slides/slide8.xml><?xml version="1.0" encoding="utf-8"?>
 <p:sld xmlns:a="http://schemas.openxmlformats.org/drawingml/2006/main" xmlns:r="http://schemas.openxmlformats.org/officeDocument/2006/relationships" xmlns:p="http://schemas.openxmlformats.org/presentationml/2006/main">
   <p:cSld>
     <p:spTree>
@@ -5676,7 +5903,7 @@
 </p:sld>
 </file>
 
-<file path=ppt/slides/slide8.xml><?xml version="1.0" encoding="utf-8"?>
+<file path=ppt/slides/slide9.xml><?xml version="1.0" encoding="utf-8"?>
 <p:sld xmlns:a="http://schemas.openxmlformats.org/drawingml/2006/main" xmlns:r="http://schemas.openxmlformats.org/officeDocument/2006/relationships" xmlns:p="http://schemas.openxmlformats.org/presentationml/2006/main">
   <p:cSld>
     <p:spTree>
@@ -5757,137 +5984,6 @@
     <p:extLst>
       <p:ext uri="{BB962C8B-B14F-4D97-AF65-F5344CB8AC3E}">
         <p14:creationId xmlns:p14="http://schemas.microsoft.com/office/powerpoint/2010/main" val="2967857647"/>
-      </p:ext>
-    </p:extLst>
-  </p:cSld>
-  <p:clrMapOvr>
-    <a:masterClrMapping/>
-  </p:clrMapOvr>
-  <mc:AlternateContent xmlns:mc="http://schemas.openxmlformats.org/markup-compatibility/2006" xmlns:p14="http://schemas.microsoft.com/office/powerpoint/2010/main">
-    <mc:Choice Requires="p14">
-      <p:transition spd="med" p14:dur="700">
-        <p:fade/>
-      </p:transition>
-    </mc:Choice>
-    <mc:Fallback xmlns="">
-      <p:transition spd="med">
-        <p:fade/>
-      </p:transition>
-    </mc:Fallback>
-  </mc:AlternateContent>
-</p:sld>
-</file>
-
-<file path=ppt/slides/slide9.xml><?xml version="1.0" encoding="utf-8"?>
-<p:sld xmlns:a="http://schemas.openxmlformats.org/drawingml/2006/main" xmlns:r="http://schemas.openxmlformats.org/officeDocument/2006/relationships" xmlns:p="http://schemas.openxmlformats.org/presentationml/2006/main">
-  <p:cSld>
-    <p:spTree>
-      <p:nvGrpSpPr>
-        <p:cNvPr id="1" name=""/>
-        <p:cNvGrpSpPr/>
-        <p:nvPr/>
-      </p:nvGrpSpPr>
-      <p:grpSpPr>
-        <a:xfrm>
-          <a:off x="0" y="0"/>
-          <a:ext cx="0" cy="0"/>
-          <a:chOff x="0" y="0"/>
-          <a:chExt cx="0" cy="0"/>
-        </a:xfrm>
-      </p:grpSpPr>
-      <p:sp>
-        <p:nvSpPr>
-          <p:cNvPr id="2" name="Title 1">
-            <a:extLst>
-              <a:ext uri="{FF2B5EF4-FFF2-40B4-BE49-F238E27FC236}">
-                <a16:creationId xmlns:a16="http://schemas.microsoft.com/office/drawing/2014/main" id="{A3A2AD15-9B79-4B41-A397-F5540D7E9324}"/>
-              </a:ext>
-            </a:extLst>
-          </p:cNvPr>
-          <p:cNvSpPr>
-            <a:spLocks noGrp="1"/>
-          </p:cNvSpPr>
-          <p:nvPr>
-            <p:ph type="title"/>
-          </p:nvPr>
-        </p:nvSpPr>
-        <p:spPr/>
-        <p:txBody>
-          <a:bodyPr/>
-          <a:lstStyle/>
-          <a:p>
-            <a:r>
-              <a:rPr lang="en-US" dirty="0"/>
-              <a:t>Refactoring and Design pattern list</a:t>
-            </a:r>
-          </a:p>
-        </p:txBody>
-      </p:sp>
-      <p:sp>
-        <p:nvSpPr>
-          <p:cNvPr id="3" name="Content Placeholder 2">
-            <a:extLst>
-              <a:ext uri="{FF2B5EF4-FFF2-40B4-BE49-F238E27FC236}">
-                <a16:creationId xmlns:a16="http://schemas.microsoft.com/office/drawing/2014/main" id="{3C438540-EF4F-4AD6-96A0-476B64F74730}"/>
-              </a:ext>
-            </a:extLst>
-          </p:cNvPr>
-          <p:cNvSpPr>
-            <a:spLocks noGrp="1"/>
-          </p:cNvSpPr>
-          <p:nvPr>
-            <p:ph idx="1"/>
-          </p:nvPr>
-        </p:nvSpPr>
-        <p:spPr/>
-        <p:txBody>
-          <a:bodyPr/>
-          <a:lstStyle/>
-          <a:p>
-            <a:r>
-              <a:rPr lang="en-US" dirty="0"/>
-              <a:t>Separated classes into Model-View-Controller packages</a:t>
-            </a:r>
-            <a:br>
-              <a:rPr lang="en-US" dirty="0"/>
-            </a:br>
-            <a:endParaRPr lang="en-US" dirty="0"/>
-          </a:p>
-          <a:p>
-            <a:r>
-              <a:rPr lang="en-US" dirty="0"/>
-              <a:t>Implemented Façade Pattern by creating a few other packages</a:t>
-            </a:r>
-            <a:br>
-              <a:rPr lang="en-US" dirty="0"/>
-            </a:br>
-            <a:endParaRPr lang="en-US" dirty="0"/>
-          </a:p>
-          <a:p>
-            <a:r>
-              <a:rPr lang="en-US" dirty="0"/>
-              <a:t>Used Extraction to reduce reuse of code within classes</a:t>
-            </a:r>
-            <a:br>
-              <a:rPr lang="en-US" dirty="0"/>
-            </a:br>
-            <a:endParaRPr lang="en-US" dirty="0"/>
-          </a:p>
-          <a:p>
-            <a:r>
-              <a:rPr lang="en-US" dirty="0"/>
-              <a:t>Rearranged classes to have Low Coupling</a:t>
-            </a:r>
-          </a:p>
-          <a:p>
-            <a:endParaRPr lang="en-US" dirty="0"/>
-          </a:p>
-        </p:txBody>
-      </p:sp>
-    </p:spTree>
-    <p:extLst>
-      <p:ext uri="{BB962C8B-B14F-4D97-AF65-F5344CB8AC3E}">
-        <p14:creationId xmlns:p14="http://schemas.microsoft.com/office/powerpoint/2010/main" val="2295330270"/>
       </p:ext>
     </p:extLst>
   </p:cSld>

--- a/Presentation 4/Presentation.pptx
+++ b/Presentation 4/Presentation.pptx
@@ -5028,7 +5028,7 @@
           <a:graphicData uri="http://schemas.openxmlformats.org/presentationml/2006/ole">
             <mc:AlternateContent xmlns:mc="http://schemas.openxmlformats.org/markup-compatibility/2006">
               <mc:Choice xmlns:v="urn:schemas-microsoft-com:vml" Requires="v">
-                <p:oleObj spid="_x0000_s1040" name="Worksheet" r:id="rId3" imgW="8924969" imgH="1914761" progId="Excel.Sheet.12">
+                <p:oleObj spid="_x0000_s1042" name="Worksheet" r:id="rId3" imgW="8924969" imgH="1914761" progId="Excel.Sheet.12">
                   <p:embed/>
                 </p:oleObj>
               </mc:Choice>
@@ -5230,10 +5230,10 @@
       </p:sp>
       <p:pic>
         <p:nvPicPr>
-          <p:cNvPr id="5" name="Content Placeholder 4">
+          <p:cNvPr id="6" name="Content Placeholder 5">
             <a:extLst>
               <a:ext uri="{FF2B5EF4-FFF2-40B4-BE49-F238E27FC236}">
-                <a16:creationId xmlns:a16="http://schemas.microsoft.com/office/drawing/2014/main" id="{6EBBA2E7-57F0-43A2-A1BD-122941867D02}"/>
+                <a16:creationId xmlns:a16="http://schemas.microsoft.com/office/drawing/2014/main" id="{1F907416-C8FB-4E9D-91E8-63A71292330B}"/>
               </a:ext>
             </a:extLst>
           </p:cNvPr>
@@ -5258,8 +5258,8 @@
         </p:blipFill>
         <p:spPr>
           <a:xfrm>
-            <a:off x="1431133" y="1993631"/>
-            <a:ext cx="9328745" cy="4508522"/>
+            <a:off x="4073395" y="1719263"/>
+            <a:ext cx="4080135" cy="4406900"/>
           </a:xfrm>
         </p:spPr>
       </p:pic>

--- a/Presentation 4/Presentation.pptx
+++ b/Presentation 4/Presentation.pptx
@@ -229,7 +229,7 @@
           <a:p>
             <a:fld id="{5627325D-7C6B-4659-A656-A772019985A7}" type="datetimeFigureOut">
               <a:rPr lang="en-US" smtClean="0"/>
-              <a:t>11/13/2017</a:t>
+              <a:t>11/14/2017</a:t>
             </a:fld>
             <a:endParaRPr lang="en-US" dirty="0"/>
           </a:p>
@@ -394,7 +394,7 @@
           <a:p>
             <a:fld id="{D75FD80F-0FDC-4A05-9EF1-C028EC4EDC0A}" type="datetimeFigureOut">
               <a:rPr lang="en-US" smtClean="0"/>
-              <a:t>11/13/2017</a:t>
+              <a:t>11/14/2017</a:t>
             </a:fld>
             <a:endParaRPr lang="en-US" dirty="0"/>
           </a:p>
@@ -952,7 +952,7 @@
             <a:fld id="{349BF3EA-1A78-4F07-BDC0-C8A1BD461199}" type="datetimeFigureOut">
               <a:rPr lang="en-US" smtClean="0"/>
               <a:pPr/>
-              <a:t>11/13/2017</a:t>
+              <a:t>11/14/2017</a:t>
             </a:fld>
             <a:endParaRPr lang="en-US" dirty="0"/>
           </a:p>
@@ -1156,7 +1156,7 @@
           <a:p>
             <a:fld id="{349BF3EA-1A78-4F07-BDC0-C8A1BD461199}" type="datetimeFigureOut">
               <a:rPr lang="en-US" smtClean="0"/>
-              <a:t>11/13/2017</a:t>
+              <a:t>11/14/2017</a:t>
             </a:fld>
             <a:endParaRPr lang="en-US" dirty="0"/>
           </a:p>
@@ -1443,7 +1443,7 @@
           <a:p>
             <a:fld id="{349BF3EA-1A78-4F07-BDC0-C8A1BD461199}" type="datetimeFigureOut">
               <a:rPr lang="en-US" smtClean="0"/>
-              <a:t>11/13/2017</a:t>
+              <a:t>11/14/2017</a:t>
             </a:fld>
             <a:endParaRPr lang="en-US" dirty="0"/>
           </a:p>
@@ -1643,7 +1643,7 @@
           <a:p>
             <a:fld id="{349BF3EA-1A78-4F07-BDC0-C8A1BD461199}" type="datetimeFigureOut">
               <a:rPr lang="en-US" smtClean="0"/>
-              <a:t>11/13/2017</a:t>
+              <a:t>11/14/2017</a:t>
             </a:fld>
             <a:endParaRPr lang="en-US" dirty="0"/>
           </a:p>
@@ -2007,7 +2007,7 @@
           <a:p>
             <a:fld id="{349BF3EA-1A78-4F07-BDC0-C8A1BD461199}" type="datetimeFigureOut">
               <a:rPr lang="en-US" smtClean="0"/>
-              <a:t>11/13/2017</a:t>
+              <a:t>11/14/2017</a:t>
             </a:fld>
             <a:endParaRPr lang="en-US" dirty="0"/>
           </a:p>
@@ -2329,7 +2329,7 @@
           <a:p>
             <a:fld id="{349BF3EA-1A78-4F07-BDC0-C8A1BD461199}" type="datetimeFigureOut">
               <a:rPr lang="en-US" smtClean="0"/>
-              <a:t>11/13/2017</a:t>
+              <a:t>11/14/2017</a:t>
             </a:fld>
             <a:endParaRPr lang="en-US" dirty="0"/>
           </a:p>
@@ -2773,7 +2773,7 @@
           <a:p>
             <a:fld id="{349BF3EA-1A78-4F07-BDC0-C8A1BD461199}" type="datetimeFigureOut">
               <a:rPr lang="en-US" smtClean="0"/>
-              <a:t>11/13/2017</a:t>
+              <a:t>11/14/2017</a:t>
             </a:fld>
             <a:endParaRPr lang="en-US" dirty="0"/>
           </a:p>
@@ -2905,7 +2905,7 @@
           <a:p>
             <a:fld id="{349BF3EA-1A78-4F07-BDC0-C8A1BD461199}" type="datetimeFigureOut">
               <a:rPr lang="en-US" smtClean="0"/>
-              <a:t>11/13/2017</a:t>
+              <a:t>11/14/2017</a:t>
             </a:fld>
             <a:endParaRPr lang="en-US" dirty="0"/>
           </a:p>
@@ -3061,7 +3061,7 @@
           <a:p>
             <a:fld id="{349BF3EA-1A78-4F07-BDC0-C8A1BD461199}" type="datetimeFigureOut">
               <a:rPr lang="en-US" smtClean="0"/>
-              <a:t>11/13/2017</a:t>
+              <a:t>11/14/2017</a:t>
             </a:fld>
             <a:endParaRPr lang="en-US" dirty="0"/>
           </a:p>
@@ -3498,7 +3498,7 @@
           <a:p>
             <a:fld id="{349BF3EA-1A78-4F07-BDC0-C8A1BD461199}" type="datetimeFigureOut">
               <a:rPr lang="en-US" smtClean="0"/>
-              <a:t>11/13/2017</a:t>
+              <a:t>11/14/2017</a:t>
             </a:fld>
             <a:endParaRPr lang="en-US" dirty="0"/>
           </a:p>
@@ -3905,7 +3905,7 @@
             <a:fld id="{349BF3EA-1A78-4F07-BDC0-C8A1BD461199}" type="datetimeFigureOut">
               <a:rPr lang="en-US" smtClean="0"/>
               <a:pPr/>
-              <a:t>11/13/2017</a:t>
+              <a:t>11/14/2017</a:t>
             </a:fld>
             <a:endParaRPr lang="en-US" dirty="0"/>
           </a:p>
@@ -4249,7 +4249,7 @@
             <a:fld id="{349BF3EA-1A78-4F07-BDC0-C8A1BD461199}" type="datetimeFigureOut">
               <a:rPr lang="en-US" smtClean="0"/>
               <a:pPr/>
-              <a:t>11/13/2017</a:t>
+              <a:t>11/14/2017</a:t>
             </a:fld>
             <a:endParaRPr lang="en-US" dirty="0"/>
           </a:p>
@@ -5028,7 +5028,7 @@
           <a:graphicData uri="http://schemas.openxmlformats.org/presentationml/2006/ole">
             <mc:AlternateContent xmlns:mc="http://schemas.openxmlformats.org/markup-compatibility/2006">
               <mc:Choice xmlns:v="urn:schemas-microsoft-com:vml" Requires="v">
-                <p:oleObj spid="_x0000_s1042" name="Worksheet" r:id="rId3" imgW="8924969" imgH="1914761" progId="Excel.Sheet.12">
+                <p:oleObj spid="_x0000_s1044" name="Worksheet" r:id="rId3" imgW="8924969" imgH="1914761" progId="Excel.Sheet.12">
                   <p:embed/>
                 </p:oleObj>
               </mc:Choice>
@@ -5230,10 +5230,10 @@
       </p:sp>
       <p:pic>
         <p:nvPicPr>
-          <p:cNvPr id="6" name="Content Placeholder 5">
+          <p:cNvPr id="7" name="Content Placeholder 6">
             <a:extLst>
               <a:ext uri="{FF2B5EF4-FFF2-40B4-BE49-F238E27FC236}">
-                <a16:creationId xmlns:a16="http://schemas.microsoft.com/office/drawing/2014/main" id="{1F907416-C8FB-4E9D-91E8-63A71292330B}"/>
+                <a16:creationId xmlns:a16="http://schemas.microsoft.com/office/drawing/2014/main" id="{A6C8D1DA-8385-4A4F-9B8D-080ABA2C9A5E}"/>
               </a:ext>
             </a:extLst>
           </p:cNvPr>
@@ -5335,10 +5335,10 @@
       </p:sp>
       <p:pic>
         <p:nvPicPr>
-          <p:cNvPr id="7" name="Content Placeholder 6">
+          <p:cNvPr id="6" name="Content Placeholder 5">
             <a:extLst>
               <a:ext uri="{FF2B5EF4-FFF2-40B4-BE49-F238E27FC236}">
-                <a16:creationId xmlns:a16="http://schemas.microsoft.com/office/drawing/2014/main" id="{EA3EF9EB-1810-4557-8C55-7DA3320325E0}"/>
+                <a16:creationId xmlns:a16="http://schemas.microsoft.com/office/drawing/2014/main" id="{C8B1A1A7-3F97-4232-9B9C-98555A1D34EC}"/>
               </a:ext>
             </a:extLst>
           </p:cNvPr>
@@ -5363,8 +5363,8 @@
         </p:blipFill>
         <p:spPr>
           <a:xfrm>
-            <a:off x="1229926" y="1759663"/>
-            <a:ext cx="9767073" cy="4326099"/>
+            <a:off x="1227339" y="1758518"/>
+            <a:ext cx="9772246" cy="4328390"/>
           </a:xfrm>
         </p:spPr>
       </p:pic>

--- a/Presentation 4/Presentation.pptx
+++ b/Presentation 4/Presentation.pptx
@@ -4927,6 +4927,15 @@
           <a:p>
             <a:endParaRPr lang="en-US" dirty="0"/>
           </a:p>
+          <a:p>
+            <a:r>
+              <a:rPr lang="en-US" dirty="0"/>
+              <a:t>Removed Log.java, Profile.java, and Invitation.java</a:t>
+            </a:r>
+          </a:p>
+          <a:p>
+            <a:endParaRPr lang="en-US" dirty="0"/>
+          </a:p>
         </p:txBody>
       </p:sp>
     </p:spTree>
@@ -5028,7 +5037,7 @@
           <a:graphicData uri="http://schemas.openxmlformats.org/presentationml/2006/ole">
             <mc:AlternateContent xmlns:mc="http://schemas.openxmlformats.org/markup-compatibility/2006">
               <mc:Choice xmlns:v="urn:schemas-microsoft-com:vml" Requires="v">
-                <p:oleObj spid="_x0000_s1044" name="Worksheet" r:id="rId3" imgW="8924969" imgH="1914761" progId="Excel.Sheet.12">
+                <p:oleObj spid="_x0000_s1046" name="Worksheet" r:id="rId3" imgW="8924969" imgH="1914761" progId="Excel.Sheet.12">
                   <p:embed/>
                 </p:oleObj>
               </mc:Choice>
